--- a/Fall2025/Deliverable3/Presentation/Deliverabe3_PPT_CourseGenie+.pptx
+++ b/Fall2025/Deliverable3/Presentation/Deliverabe3_PPT_CourseGenie+.pptx
@@ -6,7 +6,7 @@
     <p:sldMasterId id="2147483671" r:id="rId2"/>
   </p:sldMasterIdLst>
   <p:notesMasterIdLst>
-    <p:notesMasterId r:id="rId20"/>
+    <p:notesMasterId r:id="rId25"/>
   </p:notesMasterIdLst>
   <p:sldIdLst>
     <p:sldId id="295" r:id="rId3"/>
@@ -25,28 +25,33 @@
     <p:sldId id="277" r:id="rId16"/>
     <p:sldId id="293" r:id="rId17"/>
     <p:sldId id="261" r:id="rId18"/>
-    <p:sldId id="270" r:id="rId19"/>
+    <p:sldId id="298" r:id="rId19"/>
+    <p:sldId id="299" r:id="rId20"/>
+    <p:sldId id="301" r:id="rId21"/>
+    <p:sldId id="305" r:id="rId22"/>
+    <p:sldId id="303" r:id="rId23"/>
+    <p:sldId id="270" r:id="rId24"/>
   </p:sldIdLst>
   <p:sldSz cx="9144000" cy="5143500" type="screen16x9"/>
   <p:notesSz cx="6858000" cy="9144000"/>
   <p:embeddedFontLst>
     <p:embeddedFont>
       <p:font typeface="Inter Bold" panose="020F0502020204030204" pitchFamily="34" charset="0"/>
-      <p:regular r:id="rId21"/>
-      <p:bold r:id="rId22"/>
-      <p:italic r:id="rId23"/>
-      <p:boldItalic r:id="rId24"/>
+      <p:regular r:id="rId26"/>
+      <p:bold r:id="rId27"/>
+      <p:italic r:id="rId28"/>
+      <p:boldItalic r:id="rId29"/>
     </p:embeddedFont>
     <p:embeddedFont>
       <p:font typeface="Ubuntu" panose="020B0504030602030204" pitchFamily="34" charset="0"/>
-      <p:regular r:id="rId25"/>
-      <p:bold r:id="rId26"/>
-      <p:italic r:id="rId27"/>
-      <p:boldItalic r:id="rId28"/>
+      <p:regular r:id="rId30"/>
+      <p:bold r:id="rId31"/>
+      <p:italic r:id="rId32"/>
+      <p:boldItalic r:id="rId33"/>
     </p:embeddedFont>
     <p:embeddedFont>
       <p:font typeface="Ubuntu Condensed" panose="020B0506030602030204" pitchFamily="34" charset="0"/>
-      <p:regular r:id="rId29"/>
+      <p:regular r:id="rId34"/>
     </p:embeddedFont>
   </p:embeddedFontLst>
   <p:defaultTextStyle>
@@ -1282,6 +1287,140 @@
 </file>
 
 <file path=ppt/notesSlides/notesSlide13.xml><?xml version="1.0" encoding="utf-8"?>
+<p:notes xmlns:a="http://schemas.openxmlformats.org/drawingml/2006/main" xmlns:r="http://schemas.openxmlformats.org/officeDocument/2006/relationships" xmlns:p="http://schemas.openxmlformats.org/presentationml/2006/main" showMasterSp="0" showMasterPhAnim="0">
+  <p:cSld>
+    <p:spTree>
+      <p:nvGrpSpPr>
+        <p:cNvPr id="1" name="Shape 199">
+          <a:extLst>
+            <a:ext uri="{FF2B5EF4-FFF2-40B4-BE49-F238E27FC236}">
+              <a16:creationId xmlns:a16="http://schemas.microsoft.com/office/drawing/2014/main" id="{342EB8AF-10A3-71AC-EAC0-FB9B777264EB}"/>
+            </a:ext>
+          </a:extLst>
+        </p:cNvPr>
+        <p:cNvGrpSpPr/>
+        <p:nvPr/>
+      </p:nvGrpSpPr>
+      <p:grpSpPr>
+        <a:xfrm>
+          <a:off x="0" y="0"/>
+          <a:ext cx="0" cy="0"/>
+          <a:chOff x="0" y="0"/>
+          <a:chExt cx="0" cy="0"/>
+        </a:xfrm>
+      </p:grpSpPr>
+      <p:sp>
+        <p:nvSpPr>
+          <p:cNvPr id="200" name="Google Shape;200;g30df3c62097_2_86:notes">
+            <a:extLst>
+              <a:ext uri="{FF2B5EF4-FFF2-40B4-BE49-F238E27FC236}">
+                <a16:creationId xmlns:a16="http://schemas.microsoft.com/office/drawing/2014/main" id="{D4E80D85-894D-9B76-F5E3-BDBD4DD26F20}"/>
+              </a:ext>
+            </a:extLst>
+          </p:cNvPr>
+          <p:cNvSpPr txBox="1">
+            <a:spLocks noGrp="1"/>
+          </p:cNvSpPr>
+          <p:nvPr>
+            <p:ph type="body" idx="1"/>
+          </p:nvPr>
+        </p:nvSpPr>
+        <p:spPr>
+          <a:xfrm>
+            <a:off x="685800" y="4343400"/>
+            <a:ext cx="5486400" cy="4114800"/>
+          </a:xfrm>
+          <a:prstGeom prst="rect">
+            <a:avLst/>
+          </a:prstGeom>
+        </p:spPr>
+        <p:txBody>
+          <a:bodyPr spcFirstLastPara="1" wrap="square" lIns="91425" tIns="91425" rIns="91425" bIns="91425" anchor="t" anchorCtr="0">
+            <a:noAutofit/>
+          </a:bodyPr>
+          <a:lstStyle/>
+          <a:p>
+            <a:pPr marL="0" lvl="0" indent="0" algn="l" rtl="0">
+              <a:spcBef>
+                <a:spcPts val="0"/>
+              </a:spcBef>
+              <a:spcAft>
+                <a:spcPts val="0"/>
+              </a:spcAft>
+              <a:buNone/>
+            </a:pPr>
+            <a:endParaRPr/>
+          </a:p>
+        </p:txBody>
+      </p:sp>
+      <p:sp>
+        <p:nvSpPr>
+          <p:cNvPr id="201" name="Google Shape;201;g30df3c62097_2_86:notes">
+            <a:extLst>
+              <a:ext uri="{FF2B5EF4-FFF2-40B4-BE49-F238E27FC236}">
+                <a16:creationId xmlns:a16="http://schemas.microsoft.com/office/drawing/2014/main" id="{E69BD13B-9C5D-2CF2-5F94-0BA58232F835}"/>
+              </a:ext>
+            </a:extLst>
+          </p:cNvPr>
+          <p:cNvSpPr>
+            <a:spLocks noGrp="1" noRot="1" noChangeAspect="1"/>
+          </p:cNvSpPr>
+          <p:nvPr>
+            <p:ph type="sldImg" idx="2"/>
+          </p:nvPr>
+        </p:nvSpPr>
+        <p:spPr>
+          <a:xfrm>
+            <a:off x="381000" y="685800"/>
+            <a:ext cx="6096000" cy="3429000"/>
+          </a:xfrm>
+          <a:custGeom>
+            <a:avLst/>
+            <a:gdLst/>
+            <a:ahLst/>
+            <a:cxnLst/>
+            <a:rect l="l" t="t" r="r" b="b"/>
+            <a:pathLst>
+              <a:path w="120000" h="120000" extrusionOk="0">
+                <a:moveTo>
+                  <a:pt x="0" y="0"/>
+                </a:moveTo>
+                <a:lnTo>
+                  <a:pt x="120000" y="0"/>
+                </a:lnTo>
+                <a:lnTo>
+                  <a:pt x="120000" y="120000"/>
+                </a:lnTo>
+                <a:lnTo>
+                  <a:pt x="0" y="120000"/>
+                </a:lnTo>
+                <a:close/>
+              </a:path>
+            </a:pathLst>
+          </a:custGeom>
+        </p:spPr>
+        <p:txBody>
+          <a:bodyPr/>
+          <a:lstStyle/>
+          <a:p>
+            <a:endParaRPr lang="en-AE"/>
+          </a:p>
+        </p:txBody>
+      </p:sp>
+    </p:spTree>
+    <p:extLst>
+      <p:ext uri="{BB962C8B-B14F-4D97-AF65-F5344CB8AC3E}">
+        <p14:creationId xmlns:p14="http://schemas.microsoft.com/office/powerpoint/2010/main" val="774970092"/>
+      </p:ext>
+    </p:extLst>
+  </p:cSld>
+  <p:clrMapOvr>
+    <a:masterClrMapping/>
+  </p:clrMapOvr>
+</p:notes>
+</file>
+
+<file path=ppt/notesSlides/notesSlide14.xml><?xml version="1.0" encoding="utf-8"?>
 <p:notes xmlns:a="http://schemas.openxmlformats.org/drawingml/2006/main" xmlns:r="http://schemas.openxmlformats.org/officeDocument/2006/relationships" xmlns:p="http://schemas.openxmlformats.org/presentationml/2006/main" showMasterSp="0" showMasterPhAnim="0">
   <p:cSld>
     <p:spTree>
@@ -25214,22 +25353,9 @@
 <file path=ppt/slides/slide17.xml><?xml version="1.0" encoding="utf-8"?>
 <p:sld xmlns:a="http://schemas.openxmlformats.org/drawingml/2006/main" xmlns:r="http://schemas.openxmlformats.org/officeDocument/2006/relationships" xmlns:p="http://schemas.openxmlformats.org/presentationml/2006/main">
   <p:cSld>
-    <p:bg>
-      <p:bgPr>
-        <a:blipFill>
-          <a:blip r:embed="rId3">
-            <a:alphaModFix/>
-          </a:blip>
-          <a:stretch>
-            <a:fillRect/>
-          </a:stretch>
-        </a:blipFill>
-        <a:effectLst/>
-      </p:bgPr>
-    </p:bg>
     <p:spTree>
       <p:nvGrpSpPr>
-        <p:cNvPr id="1" name="Shape 277"/>
+        <p:cNvPr id="1" name=""/>
         <p:cNvGrpSpPr/>
         <p:nvPr/>
       </p:nvGrpSpPr>
@@ -25243,18 +25369,22 @@
       </p:grpSpPr>
       <p:sp>
         <p:nvSpPr>
-          <p:cNvPr id="278" name="Google Shape;278;p39"/>
+          <p:cNvPr id="3" name="Google Shape;94;p14">
+            <a:extLst>
+              <a:ext uri="{FF2B5EF4-FFF2-40B4-BE49-F238E27FC236}">
+                <a16:creationId xmlns:a16="http://schemas.microsoft.com/office/drawing/2014/main" id="{9D5B25D7-7353-5576-AF6A-3F6CDB64AC06}"/>
+              </a:ext>
+            </a:extLst>
+          </p:cNvPr>
           <p:cNvSpPr txBox="1">
-            <a:spLocks noGrp="1"/>
+            <a:spLocks/>
           </p:cNvSpPr>
-          <p:nvPr>
-            <p:ph type="ctrTitle"/>
-          </p:nvPr>
+          <p:nvPr/>
         </p:nvSpPr>
         <p:spPr>
           <a:xfrm>
-            <a:off x="4125875" y="1745111"/>
-            <a:ext cx="4417500" cy="1990200"/>
+            <a:off x="3027886" y="2289600"/>
+            <a:ext cx="2439264" cy="564300"/>
           </a:xfrm>
           <a:prstGeom prst="rect">
             <a:avLst/>
@@ -25265,14 +25395,291 @@
           </a:ln>
         </p:spPr>
         <p:txBody>
-          <a:bodyPr spcFirstLastPara="1" wrap="square" lIns="68575" tIns="34275" rIns="68575" bIns="34275" anchor="b" anchorCtr="0">
+          <a:bodyPr spcFirstLastPara="1" wrap="square" lIns="91425" tIns="91425" rIns="91425" bIns="91425" anchor="ctr" anchorCtr="0">
+            <a:noAutofit/>
+          </a:bodyPr>
+          <a:lstStyle>
+            <a:defPPr marR="0" lvl="0" algn="l" rtl="0">
+              <a:lnSpc>
+                <a:spcPct val="100000"/>
+              </a:lnSpc>
+              <a:spcBef>
+                <a:spcPts val="0"/>
+              </a:spcBef>
+              <a:spcAft>
+                <a:spcPts val="0"/>
+              </a:spcAft>
+            </a:defPPr>
+            <a:lvl1pPr marR="0" lvl="0" algn="l" rtl="0">
+              <a:lnSpc>
+                <a:spcPct val="100000"/>
+              </a:lnSpc>
+              <a:spcBef>
+                <a:spcPts val="0"/>
+              </a:spcBef>
+              <a:spcAft>
+                <a:spcPts val="0"/>
+              </a:spcAft>
+              <a:buClr>
+                <a:srgbClr val="000000"/>
+              </a:buClr>
+              <a:buFont typeface="Arial"/>
+              <a:defRPr sz="1400" b="0" i="0" u="none" strike="noStrike" cap="none">
+                <a:solidFill>
+                  <a:srgbClr val="000000"/>
+                </a:solidFill>
+                <a:latin typeface="Arial"/>
+                <a:ea typeface="Arial"/>
+                <a:cs typeface="Arial"/>
+                <a:sym typeface="Arial"/>
+              </a:defRPr>
+            </a:lvl1pPr>
+            <a:lvl2pPr marR="0" lvl="1" algn="l" rtl="0">
+              <a:lnSpc>
+                <a:spcPct val="100000"/>
+              </a:lnSpc>
+              <a:spcBef>
+                <a:spcPts val="0"/>
+              </a:spcBef>
+              <a:spcAft>
+                <a:spcPts val="0"/>
+              </a:spcAft>
+              <a:buClr>
+                <a:srgbClr val="000000"/>
+              </a:buClr>
+              <a:buFont typeface="Arial"/>
+              <a:defRPr sz="1400" b="0" i="0" u="none" strike="noStrike" cap="none">
+                <a:solidFill>
+                  <a:srgbClr val="000000"/>
+                </a:solidFill>
+                <a:latin typeface="Arial"/>
+                <a:ea typeface="Arial"/>
+                <a:cs typeface="Arial"/>
+                <a:sym typeface="Arial"/>
+              </a:defRPr>
+            </a:lvl2pPr>
+            <a:lvl3pPr marR="0" lvl="2" algn="l" rtl="0">
+              <a:lnSpc>
+                <a:spcPct val="100000"/>
+              </a:lnSpc>
+              <a:spcBef>
+                <a:spcPts val="0"/>
+              </a:spcBef>
+              <a:spcAft>
+                <a:spcPts val="0"/>
+              </a:spcAft>
+              <a:buClr>
+                <a:srgbClr val="000000"/>
+              </a:buClr>
+              <a:buFont typeface="Arial"/>
+              <a:defRPr sz="1400" b="0" i="0" u="none" strike="noStrike" cap="none">
+                <a:solidFill>
+                  <a:srgbClr val="000000"/>
+                </a:solidFill>
+                <a:latin typeface="Arial"/>
+                <a:ea typeface="Arial"/>
+                <a:cs typeface="Arial"/>
+                <a:sym typeface="Arial"/>
+              </a:defRPr>
+            </a:lvl3pPr>
+            <a:lvl4pPr marR="0" lvl="3" algn="l" rtl="0">
+              <a:lnSpc>
+                <a:spcPct val="100000"/>
+              </a:lnSpc>
+              <a:spcBef>
+                <a:spcPts val="0"/>
+              </a:spcBef>
+              <a:spcAft>
+                <a:spcPts val="0"/>
+              </a:spcAft>
+              <a:buClr>
+                <a:srgbClr val="000000"/>
+              </a:buClr>
+              <a:buFont typeface="Arial"/>
+              <a:defRPr sz="1400" b="0" i="0" u="none" strike="noStrike" cap="none">
+                <a:solidFill>
+                  <a:srgbClr val="000000"/>
+                </a:solidFill>
+                <a:latin typeface="Arial"/>
+                <a:ea typeface="Arial"/>
+                <a:cs typeface="Arial"/>
+                <a:sym typeface="Arial"/>
+              </a:defRPr>
+            </a:lvl4pPr>
+            <a:lvl5pPr marR="0" lvl="4" algn="l" rtl="0">
+              <a:lnSpc>
+                <a:spcPct val="100000"/>
+              </a:lnSpc>
+              <a:spcBef>
+                <a:spcPts val="0"/>
+              </a:spcBef>
+              <a:spcAft>
+                <a:spcPts val="0"/>
+              </a:spcAft>
+              <a:buClr>
+                <a:srgbClr val="000000"/>
+              </a:buClr>
+              <a:buFont typeface="Arial"/>
+              <a:defRPr sz="1400" b="0" i="0" u="none" strike="noStrike" cap="none">
+                <a:solidFill>
+                  <a:srgbClr val="000000"/>
+                </a:solidFill>
+                <a:latin typeface="Arial"/>
+                <a:ea typeface="Arial"/>
+                <a:cs typeface="Arial"/>
+                <a:sym typeface="Arial"/>
+              </a:defRPr>
+            </a:lvl5pPr>
+            <a:lvl6pPr marR="0" lvl="5" algn="l" rtl="0">
+              <a:lnSpc>
+                <a:spcPct val="100000"/>
+              </a:lnSpc>
+              <a:spcBef>
+                <a:spcPts val="0"/>
+              </a:spcBef>
+              <a:spcAft>
+                <a:spcPts val="0"/>
+              </a:spcAft>
+              <a:buClr>
+                <a:srgbClr val="000000"/>
+              </a:buClr>
+              <a:buFont typeface="Arial"/>
+              <a:defRPr sz="1400" b="0" i="0" u="none" strike="noStrike" cap="none">
+                <a:solidFill>
+                  <a:srgbClr val="000000"/>
+                </a:solidFill>
+                <a:latin typeface="Arial"/>
+                <a:ea typeface="Arial"/>
+                <a:cs typeface="Arial"/>
+                <a:sym typeface="Arial"/>
+              </a:defRPr>
+            </a:lvl6pPr>
+            <a:lvl7pPr marR="0" lvl="6" algn="l" rtl="0">
+              <a:lnSpc>
+                <a:spcPct val="100000"/>
+              </a:lnSpc>
+              <a:spcBef>
+                <a:spcPts val="0"/>
+              </a:spcBef>
+              <a:spcAft>
+                <a:spcPts val="0"/>
+              </a:spcAft>
+              <a:buClr>
+                <a:srgbClr val="000000"/>
+              </a:buClr>
+              <a:buFont typeface="Arial"/>
+              <a:defRPr sz="1400" b="0" i="0" u="none" strike="noStrike" cap="none">
+                <a:solidFill>
+                  <a:srgbClr val="000000"/>
+                </a:solidFill>
+                <a:latin typeface="Arial"/>
+                <a:ea typeface="Arial"/>
+                <a:cs typeface="Arial"/>
+                <a:sym typeface="Arial"/>
+              </a:defRPr>
+            </a:lvl7pPr>
+            <a:lvl8pPr marR="0" lvl="7" algn="l" rtl="0">
+              <a:lnSpc>
+                <a:spcPct val="100000"/>
+              </a:lnSpc>
+              <a:spcBef>
+                <a:spcPts val="0"/>
+              </a:spcBef>
+              <a:spcAft>
+                <a:spcPts val="0"/>
+              </a:spcAft>
+              <a:buClr>
+                <a:srgbClr val="000000"/>
+              </a:buClr>
+              <a:buFont typeface="Arial"/>
+              <a:defRPr sz="1400" b="0" i="0" u="none" strike="noStrike" cap="none">
+                <a:solidFill>
+                  <a:srgbClr val="000000"/>
+                </a:solidFill>
+                <a:latin typeface="Arial"/>
+                <a:ea typeface="Arial"/>
+                <a:cs typeface="Arial"/>
+                <a:sym typeface="Arial"/>
+              </a:defRPr>
+            </a:lvl8pPr>
+            <a:lvl9pPr marR="0" lvl="8" algn="l" rtl="0">
+              <a:lnSpc>
+                <a:spcPct val="100000"/>
+              </a:lnSpc>
+              <a:spcBef>
+                <a:spcPts val="0"/>
+              </a:spcBef>
+              <a:spcAft>
+                <a:spcPts val="0"/>
+              </a:spcAft>
+              <a:buClr>
+                <a:srgbClr val="000000"/>
+              </a:buClr>
+              <a:buFont typeface="Arial"/>
+              <a:defRPr sz="1400" b="0" i="0" u="none" strike="noStrike" cap="none">
+                <a:solidFill>
+                  <a:srgbClr val="000000"/>
+                </a:solidFill>
+                <a:latin typeface="Arial"/>
+                <a:ea typeface="Arial"/>
+                <a:cs typeface="Arial"/>
+                <a:sym typeface="Arial"/>
+              </a:defRPr>
+            </a:lvl9pPr>
+          </a:lstStyle>
+          <a:p>
+            <a:pPr algn="ctr">
+              <a:buSzPts val="3500"/>
+            </a:pPr>
+            <a:r>
+              <a:rPr lang="en-US" sz="3500" b="1" dirty="0">
+                <a:solidFill>
+                  <a:schemeClr val="tx1"/>
+                </a:solidFill>
+                <a:latin typeface="Ubuntu Condensed"/>
+                <a:sym typeface="Ubuntu Condensed"/>
+              </a:rPr>
+              <a:t>Spring 2026</a:t>
+            </a:r>
+          </a:p>
+        </p:txBody>
+      </p:sp>
+      <p:sp>
+        <p:nvSpPr>
+          <p:cNvPr id="6" name="Google Shape;96;p14">
+            <a:extLst>
+              <a:ext uri="{FF2B5EF4-FFF2-40B4-BE49-F238E27FC236}">
+                <a16:creationId xmlns:a16="http://schemas.microsoft.com/office/drawing/2014/main" id="{2B92549D-67F0-DB32-FA7A-1DBA402F3416}"/>
+              </a:ext>
+            </a:extLst>
+          </p:cNvPr>
+          <p:cNvSpPr/>
+          <p:nvPr/>
+        </p:nvSpPr>
+        <p:spPr>
+          <a:xfrm flipV="1">
+            <a:off x="2589197" y="2157253"/>
+            <a:ext cx="3388092" cy="45719"/>
+          </a:xfrm>
+          <a:prstGeom prst="rect">
+            <a:avLst/>
+          </a:prstGeom>
+          <a:solidFill>
+            <a:srgbClr val="FF8C3B"/>
+          </a:solidFill>
+          <a:ln>
+            <a:noFill/>
+          </a:ln>
+        </p:spPr>
+        <p:txBody>
+          <a:bodyPr spcFirstLastPara="1" wrap="square" lIns="91425" tIns="91425" rIns="91425" bIns="91425" anchor="ctr" anchorCtr="0">
             <a:noAutofit/>
           </a:bodyPr>
           <a:lstStyle/>
           <a:p>
-            <a:pPr marL="0" lvl="0" indent="0" algn="ctr" rtl="0">
+            <a:pPr marL="0" marR="0" lvl="0" indent="0" algn="l" rtl="0">
               <a:lnSpc>
-                <a:spcPct val="90000"/>
+                <a:spcPct val="100000"/>
               </a:lnSpc>
               <a:spcBef>
                 <a:spcPts val="0"/>
@@ -25281,21 +25688,1618 @@
                 <a:spcPts val="0"/>
               </a:spcAft>
               <a:buClr>
-                <a:schemeClr val="dk1"/>
+                <a:srgbClr val="000000"/>
               </a:buClr>
-              <a:buSzPts val="4500"/>
-              <a:buFont typeface="Calibri"/>
+              <a:buSzPts val="1400"/>
+              <a:buFont typeface="Arial"/>
               <a:buNone/>
             </a:pPr>
-            <a:r>
-              <a:rPr lang="en-GB" sz="8000" dirty="0"/>
-              <a:t>Thank you!</a:t>
-            </a:r>
-            <a:endParaRPr sz="8000" dirty="0"/>
+            <a:endParaRPr sz="1400" b="0" i="0" u="none" strike="noStrike" cap="none">
+              <a:solidFill>
+                <a:srgbClr val="000000"/>
+              </a:solidFill>
+              <a:latin typeface="Arial"/>
+              <a:ea typeface="Arial"/>
+              <a:cs typeface="Arial"/>
+              <a:sym typeface="Arial"/>
+            </a:endParaRPr>
+          </a:p>
+        </p:txBody>
+      </p:sp>
+      <p:sp>
+        <p:nvSpPr>
+          <p:cNvPr id="8" name="Google Shape;96;p14">
+            <a:extLst>
+              <a:ext uri="{FF2B5EF4-FFF2-40B4-BE49-F238E27FC236}">
+                <a16:creationId xmlns:a16="http://schemas.microsoft.com/office/drawing/2014/main" id="{E6095EB3-91A8-7EBC-25AB-572A630BA753}"/>
+              </a:ext>
+            </a:extLst>
+          </p:cNvPr>
+          <p:cNvSpPr/>
+          <p:nvPr/>
+        </p:nvSpPr>
+        <p:spPr>
+          <a:xfrm flipV="1">
+            <a:off x="2589197" y="2986247"/>
+            <a:ext cx="3388092" cy="45719"/>
+          </a:xfrm>
+          <a:prstGeom prst="rect">
+            <a:avLst/>
+          </a:prstGeom>
+          <a:solidFill>
+            <a:srgbClr val="FF8C3B"/>
+          </a:solidFill>
+          <a:ln>
+            <a:noFill/>
+          </a:ln>
+        </p:spPr>
+        <p:txBody>
+          <a:bodyPr spcFirstLastPara="1" wrap="square" lIns="91425" tIns="91425" rIns="91425" bIns="91425" anchor="ctr" anchorCtr="0">
+            <a:noAutofit/>
+          </a:bodyPr>
+          <a:lstStyle/>
+          <a:p>
+            <a:pPr marL="0" marR="0" lvl="0" indent="0" algn="l" rtl="0">
+              <a:lnSpc>
+                <a:spcPct val="100000"/>
+              </a:lnSpc>
+              <a:spcBef>
+                <a:spcPts val="0"/>
+              </a:spcBef>
+              <a:spcAft>
+                <a:spcPts val="0"/>
+              </a:spcAft>
+              <a:buClr>
+                <a:srgbClr val="000000"/>
+              </a:buClr>
+              <a:buSzPts val="1400"/>
+              <a:buFont typeface="Arial"/>
+              <a:buNone/>
+            </a:pPr>
+            <a:endParaRPr sz="1400" b="0" i="0" u="none" strike="noStrike" cap="none">
+              <a:solidFill>
+                <a:srgbClr val="000000"/>
+              </a:solidFill>
+              <a:latin typeface="Arial"/>
+              <a:ea typeface="Arial"/>
+              <a:cs typeface="Arial"/>
+              <a:sym typeface="Arial"/>
+            </a:endParaRPr>
           </a:p>
         </p:txBody>
       </p:sp>
     </p:spTree>
+    <p:extLst>
+      <p:ext uri="{BB962C8B-B14F-4D97-AF65-F5344CB8AC3E}">
+        <p14:creationId xmlns:p14="http://schemas.microsoft.com/office/powerpoint/2010/main" val="527567263"/>
+      </p:ext>
+    </p:extLst>
+  </p:cSld>
+  <p:clrMapOvr>
+    <a:masterClrMapping/>
+  </p:clrMapOvr>
+</p:sld>
+</file>
+
+<file path=ppt/slides/slide18.xml><?xml version="1.0" encoding="utf-8"?>
+<p:sld xmlns:a="http://schemas.openxmlformats.org/drawingml/2006/main" xmlns:r="http://schemas.openxmlformats.org/officeDocument/2006/relationships" xmlns:p="http://schemas.openxmlformats.org/presentationml/2006/main">
+  <p:cSld>
+    <p:spTree>
+      <p:nvGrpSpPr>
+        <p:cNvPr id="1" name="">
+          <a:extLst>
+            <a:ext uri="{FF2B5EF4-FFF2-40B4-BE49-F238E27FC236}">
+              <a16:creationId xmlns:a16="http://schemas.microsoft.com/office/drawing/2014/main" id="{92A194AF-9255-5CB6-4104-212D1B48030D}"/>
+            </a:ext>
+          </a:extLst>
+        </p:cNvPr>
+        <p:cNvGrpSpPr/>
+        <p:nvPr/>
+      </p:nvGrpSpPr>
+      <p:grpSpPr>
+        <a:xfrm>
+          <a:off x="0" y="0"/>
+          <a:ext cx="0" cy="0"/>
+          <a:chOff x="0" y="0"/>
+          <a:chExt cx="0" cy="0"/>
+        </a:xfrm>
+      </p:grpSpPr>
+      <p:sp>
+        <p:nvSpPr>
+          <p:cNvPr id="48" name="TextBox 47">
+            <a:extLst>
+              <a:ext uri="{FF2B5EF4-FFF2-40B4-BE49-F238E27FC236}">
+                <a16:creationId xmlns:a16="http://schemas.microsoft.com/office/drawing/2014/main" id="{D8BB98BD-28CB-621D-6754-96ED0828E757}"/>
+              </a:ext>
+            </a:extLst>
+          </p:cNvPr>
+          <p:cNvSpPr txBox="1"/>
+          <p:nvPr/>
+        </p:nvSpPr>
+        <p:spPr>
+          <a:xfrm>
+            <a:off x="4987681" y="1427627"/>
+            <a:ext cx="184731" cy="307777"/>
+          </a:xfrm>
+          <a:prstGeom prst="rect">
+            <a:avLst/>
+          </a:prstGeom>
+          <a:noFill/>
+        </p:spPr>
+        <p:txBody>
+          <a:bodyPr wrap="none" rtlCol="0">
+            <a:spAutoFit/>
+          </a:bodyPr>
+          <a:lstStyle/>
+          <a:p>
+            <a:endParaRPr lang="en-AE" dirty="0"/>
+          </a:p>
+        </p:txBody>
+      </p:sp>
+      <p:sp>
+        <p:nvSpPr>
+          <p:cNvPr id="63" name="TextBox 62">
+            <a:extLst>
+              <a:ext uri="{FF2B5EF4-FFF2-40B4-BE49-F238E27FC236}">
+                <a16:creationId xmlns:a16="http://schemas.microsoft.com/office/drawing/2014/main" id="{89C528D9-BBFC-F109-5D81-512DB9CC555B}"/>
+              </a:ext>
+            </a:extLst>
+          </p:cNvPr>
+          <p:cNvSpPr txBox="1"/>
+          <p:nvPr/>
+        </p:nvSpPr>
+        <p:spPr>
+          <a:xfrm>
+            <a:off x="5330640" y="1520200"/>
+            <a:ext cx="184731" cy="307777"/>
+          </a:xfrm>
+          <a:prstGeom prst="rect">
+            <a:avLst/>
+          </a:prstGeom>
+          <a:noFill/>
+        </p:spPr>
+        <p:txBody>
+          <a:bodyPr wrap="none" rtlCol="0">
+            <a:spAutoFit/>
+          </a:bodyPr>
+          <a:lstStyle/>
+          <a:p>
+            <a:endParaRPr lang="en-AE" dirty="0"/>
+          </a:p>
+        </p:txBody>
+      </p:sp>
+      <p:sp>
+        <p:nvSpPr>
+          <p:cNvPr id="64" name="Google Shape;94;p14">
+            <a:extLst>
+              <a:ext uri="{FF2B5EF4-FFF2-40B4-BE49-F238E27FC236}">
+                <a16:creationId xmlns:a16="http://schemas.microsoft.com/office/drawing/2014/main" id="{355FE80C-3EAB-4D40-6B4D-EAA11D74BA8D}"/>
+              </a:ext>
+            </a:extLst>
+          </p:cNvPr>
+          <p:cNvSpPr txBox="1">
+            <a:spLocks/>
+          </p:cNvSpPr>
+          <p:nvPr/>
+        </p:nvSpPr>
+        <p:spPr>
+          <a:xfrm>
+            <a:off x="255810" y="925719"/>
+            <a:ext cx="7704000" cy="564300"/>
+          </a:xfrm>
+          <a:prstGeom prst="rect">
+            <a:avLst/>
+          </a:prstGeom>
+          <a:noFill/>
+          <a:ln>
+            <a:noFill/>
+          </a:ln>
+        </p:spPr>
+        <p:txBody>
+          <a:bodyPr spcFirstLastPara="1" wrap="square" lIns="91425" tIns="91425" rIns="91425" bIns="91425" anchor="ctr" anchorCtr="0">
+            <a:noAutofit/>
+          </a:bodyPr>
+          <a:lstStyle>
+            <a:defPPr marR="0" lvl="0" algn="l" rtl="0">
+              <a:lnSpc>
+                <a:spcPct val="100000"/>
+              </a:lnSpc>
+              <a:spcBef>
+                <a:spcPts val="0"/>
+              </a:spcBef>
+              <a:spcAft>
+                <a:spcPts val="0"/>
+              </a:spcAft>
+            </a:defPPr>
+            <a:lvl1pPr marR="0" lvl="0" algn="l" rtl="0">
+              <a:lnSpc>
+                <a:spcPct val="100000"/>
+              </a:lnSpc>
+              <a:spcBef>
+                <a:spcPts val="0"/>
+              </a:spcBef>
+              <a:spcAft>
+                <a:spcPts val="0"/>
+              </a:spcAft>
+              <a:buClr>
+                <a:srgbClr val="000000"/>
+              </a:buClr>
+              <a:buFont typeface="Arial"/>
+              <a:defRPr sz="1400" b="0" i="0" u="none" strike="noStrike" cap="none">
+                <a:solidFill>
+                  <a:srgbClr val="000000"/>
+                </a:solidFill>
+                <a:latin typeface="Arial"/>
+                <a:ea typeface="Arial"/>
+                <a:cs typeface="Arial"/>
+                <a:sym typeface="Arial"/>
+              </a:defRPr>
+            </a:lvl1pPr>
+            <a:lvl2pPr marR="0" lvl="1" algn="l" rtl="0">
+              <a:lnSpc>
+                <a:spcPct val="100000"/>
+              </a:lnSpc>
+              <a:spcBef>
+                <a:spcPts val="0"/>
+              </a:spcBef>
+              <a:spcAft>
+                <a:spcPts val="0"/>
+              </a:spcAft>
+              <a:buClr>
+                <a:srgbClr val="000000"/>
+              </a:buClr>
+              <a:buFont typeface="Arial"/>
+              <a:defRPr sz="1400" b="0" i="0" u="none" strike="noStrike" cap="none">
+                <a:solidFill>
+                  <a:srgbClr val="000000"/>
+                </a:solidFill>
+                <a:latin typeface="Arial"/>
+                <a:ea typeface="Arial"/>
+                <a:cs typeface="Arial"/>
+                <a:sym typeface="Arial"/>
+              </a:defRPr>
+            </a:lvl2pPr>
+            <a:lvl3pPr marR="0" lvl="2" algn="l" rtl="0">
+              <a:lnSpc>
+                <a:spcPct val="100000"/>
+              </a:lnSpc>
+              <a:spcBef>
+                <a:spcPts val="0"/>
+              </a:spcBef>
+              <a:spcAft>
+                <a:spcPts val="0"/>
+              </a:spcAft>
+              <a:buClr>
+                <a:srgbClr val="000000"/>
+              </a:buClr>
+              <a:buFont typeface="Arial"/>
+              <a:defRPr sz="1400" b="0" i="0" u="none" strike="noStrike" cap="none">
+                <a:solidFill>
+                  <a:srgbClr val="000000"/>
+                </a:solidFill>
+                <a:latin typeface="Arial"/>
+                <a:ea typeface="Arial"/>
+                <a:cs typeface="Arial"/>
+                <a:sym typeface="Arial"/>
+              </a:defRPr>
+            </a:lvl3pPr>
+            <a:lvl4pPr marR="0" lvl="3" algn="l" rtl="0">
+              <a:lnSpc>
+                <a:spcPct val="100000"/>
+              </a:lnSpc>
+              <a:spcBef>
+                <a:spcPts val="0"/>
+              </a:spcBef>
+              <a:spcAft>
+                <a:spcPts val="0"/>
+              </a:spcAft>
+              <a:buClr>
+                <a:srgbClr val="000000"/>
+              </a:buClr>
+              <a:buFont typeface="Arial"/>
+              <a:defRPr sz="1400" b="0" i="0" u="none" strike="noStrike" cap="none">
+                <a:solidFill>
+                  <a:srgbClr val="000000"/>
+                </a:solidFill>
+                <a:latin typeface="Arial"/>
+                <a:ea typeface="Arial"/>
+                <a:cs typeface="Arial"/>
+                <a:sym typeface="Arial"/>
+              </a:defRPr>
+            </a:lvl4pPr>
+            <a:lvl5pPr marR="0" lvl="4" algn="l" rtl="0">
+              <a:lnSpc>
+                <a:spcPct val="100000"/>
+              </a:lnSpc>
+              <a:spcBef>
+                <a:spcPts val="0"/>
+              </a:spcBef>
+              <a:spcAft>
+                <a:spcPts val="0"/>
+              </a:spcAft>
+              <a:buClr>
+                <a:srgbClr val="000000"/>
+              </a:buClr>
+              <a:buFont typeface="Arial"/>
+              <a:defRPr sz="1400" b="0" i="0" u="none" strike="noStrike" cap="none">
+                <a:solidFill>
+                  <a:srgbClr val="000000"/>
+                </a:solidFill>
+                <a:latin typeface="Arial"/>
+                <a:ea typeface="Arial"/>
+                <a:cs typeface="Arial"/>
+                <a:sym typeface="Arial"/>
+              </a:defRPr>
+            </a:lvl5pPr>
+            <a:lvl6pPr marR="0" lvl="5" algn="l" rtl="0">
+              <a:lnSpc>
+                <a:spcPct val="100000"/>
+              </a:lnSpc>
+              <a:spcBef>
+                <a:spcPts val="0"/>
+              </a:spcBef>
+              <a:spcAft>
+                <a:spcPts val="0"/>
+              </a:spcAft>
+              <a:buClr>
+                <a:srgbClr val="000000"/>
+              </a:buClr>
+              <a:buFont typeface="Arial"/>
+              <a:defRPr sz="1400" b="0" i="0" u="none" strike="noStrike" cap="none">
+                <a:solidFill>
+                  <a:srgbClr val="000000"/>
+                </a:solidFill>
+                <a:latin typeface="Arial"/>
+                <a:ea typeface="Arial"/>
+                <a:cs typeface="Arial"/>
+                <a:sym typeface="Arial"/>
+              </a:defRPr>
+            </a:lvl6pPr>
+            <a:lvl7pPr marR="0" lvl="6" algn="l" rtl="0">
+              <a:lnSpc>
+                <a:spcPct val="100000"/>
+              </a:lnSpc>
+              <a:spcBef>
+                <a:spcPts val="0"/>
+              </a:spcBef>
+              <a:spcAft>
+                <a:spcPts val="0"/>
+              </a:spcAft>
+              <a:buClr>
+                <a:srgbClr val="000000"/>
+              </a:buClr>
+              <a:buFont typeface="Arial"/>
+              <a:defRPr sz="1400" b="0" i="0" u="none" strike="noStrike" cap="none">
+                <a:solidFill>
+                  <a:srgbClr val="000000"/>
+                </a:solidFill>
+                <a:latin typeface="Arial"/>
+                <a:ea typeface="Arial"/>
+                <a:cs typeface="Arial"/>
+                <a:sym typeface="Arial"/>
+              </a:defRPr>
+            </a:lvl7pPr>
+            <a:lvl8pPr marR="0" lvl="7" algn="l" rtl="0">
+              <a:lnSpc>
+                <a:spcPct val="100000"/>
+              </a:lnSpc>
+              <a:spcBef>
+                <a:spcPts val="0"/>
+              </a:spcBef>
+              <a:spcAft>
+                <a:spcPts val="0"/>
+              </a:spcAft>
+              <a:buClr>
+                <a:srgbClr val="000000"/>
+              </a:buClr>
+              <a:buFont typeface="Arial"/>
+              <a:defRPr sz="1400" b="0" i="0" u="none" strike="noStrike" cap="none">
+                <a:solidFill>
+                  <a:srgbClr val="000000"/>
+                </a:solidFill>
+                <a:latin typeface="Arial"/>
+                <a:ea typeface="Arial"/>
+                <a:cs typeface="Arial"/>
+                <a:sym typeface="Arial"/>
+              </a:defRPr>
+            </a:lvl8pPr>
+            <a:lvl9pPr marR="0" lvl="8" algn="l" rtl="0">
+              <a:lnSpc>
+                <a:spcPct val="100000"/>
+              </a:lnSpc>
+              <a:spcBef>
+                <a:spcPts val="0"/>
+              </a:spcBef>
+              <a:spcAft>
+                <a:spcPts val="0"/>
+              </a:spcAft>
+              <a:buClr>
+                <a:srgbClr val="000000"/>
+              </a:buClr>
+              <a:buFont typeface="Arial"/>
+              <a:defRPr sz="1400" b="0" i="0" u="none" strike="noStrike" cap="none">
+                <a:solidFill>
+                  <a:srgbClr val="000000"/>
+                </a:solidFill>
+                <a:latin typeface="Arial"/>
+                <a:ea typeface="Arial"/>
+                <a:cs typeface="Arial"/>
+                <a:sym typeface="Arial"/>
+              </a:defRPr>
+            </a:lvl9pPr>
+          </a:lstStyle>
+          <a:p>
+            <a:pPr>
+              <a:buSzPts val="3500"/>
+            </a:pPr>
+            <a:r>
+              <a:rPr lang="en-US" sz="3500" b="1" dirty="0">
+                <a:solidFill>
+                  <a:schemeClr val="tx1"/>
+                </a:solidFill>
+                <a:latin typeface="Ubuntu Condensed"/>
+                <a:sym typeface="Ubuntu Condensed"/>
+              </a:rPr>
+              <a:t>Product Increment </a:t>
+            </a:r>
+          </a:p>
+        </p:txBody>
+      </p:sp>
+      <p:sp>
+        <p:nvSpPr>
+          <p:cNvPr id="65" name="Google Shape;96;p14">
+            <a:extLst>
+              <a:ext uri="{FF2B5EF4-FFF2-40B4-BE49-F238E27FC236}">
+                <a16:creationId xmlns:a16="http://schemas.microsoft.com/office/drawing/2014/main" id="{63A9A227-2410-E65A-8B43-749235B8D0E9}"/>
+              </a:ext>
+            </a:extLst>
+          </p:cNvPr>
+          <p:cNvSpPr/>
+          <p:nvPr/>
+        </p:nvSpPr>
+        <p:spPr>
+          <a:xfrm flipV="1">
+            <a:off x="359326" y="1518919"/>
+            <a:ext cx="1387408" cy="45719"/>
+          </a:xfrm>
+          <a:prstGeom prst="rect">
+            <a:avLst/>
+          </a:prstGeom>
+          <a:solidFill>
+            <a:srgbClr val="FF8C3B"/>
+          </a:solidFill>
+          <a:ln>
+            <a:noFill/>
+          </a:ln>
+        </p:spPr>
+        <p:txBody>
+          <a:bodyPr spcFirstLastPara="1" wrap="square" lIns="91425" tIns="91425" rIns="91425" bIns="91425" anchor="ctr" anchorCtr="0">
+            <a:noAutofit/>
+          </a:bodyPr>
+          <a:lstStyle/>
+          <a:p>
+            <a:pPr marL="0" marR="0" lvl="0" indent="0" algn="l" rtl="0">
+              <a:lnSpc>
+                <a:spcPct val="100000"/>
+              </a:lnSpc>
+              <a:spcBef>
+                <a:spcPts val="0"/>
+              </a:spcBef>
+              <a:spcAft>
+                <a:spcPts val="0"/>
+              </a:spcAft>
+              <a:buClr>
+                <a:srgbClr val="000000"/>
+              </a:buClr>
+              <a:buSzPts val="1400"/>
+              <a:buFont typeface="Arial"/>
+              <a:buNone/>
+            </a:pPr>
+            <a:endParaRPr sz="1400" b="0" i="0" u="none" strike="noStrike" cap="none">
+              <a:solidFill>
+                <a:srgbClr val="000000"/>
+              </a:solidFill>
+              <a:latin typeface="Arial"/>
+              <a:ea typeface="Arial"/>
+              <a:cs typeface="Arial"/>
+              <a:sym typeface="Arial"/>
+            </a:endParaRPr>
+          </a:p>
+        </p:txBody>
+      </p:sp>
+      <p:pic>
+        <p:nvPicPr>
+          <p:cNvPr id="9" name="Picture 8">
+            <a:extLst>
+              <a:ext uri="{FF2B5EF4-FFF2-40B4-BE49-F238E27FC236}">
+                <a16:creationId xmlns:a16="http://schemas.microsoft.com/office/drawing/2014/main" id="{04F71DDA-87C8-A94E-B56E-6C7C23786F57}"/>
+              </a:ext>
+            </a:extLst>
+          </p:cNvPr>
+          <p:cNvPicPr>
+            <a:picLocks noChangeAspect="1"/>
+          </p:cNvPicPr>
+          <p:nvPr/>
+        </p:nvPicPr>
+        <p:blipFill>
+          <a:blip r:embed="rId2"/>
+          <a:stretch>
+            <a:fillRect/>
+          </a:stretch>
+        </p:blipFill>
+        <p:spPr>
+          <a:xfrm>
+            <a:off x="464448" y="1832354"/>
+            <a:ext cx="2200990" cy="713364"/>
+          </a:xfrm>
+          <a:prstGeom prst="roundRect">
+            <a:avLst>
+              <a:gd name="adj" fmla="val 16667"/>
+            </a:avLst>
+          </a:prstGeom>
+          <a:ln>
+            <a:noFill/>
+          </a:ln>
+          <a:effectLst>
+            <a:outerShdw blurRad="76200" dist="38100" dir="7800000" algn="tl" rotWithShape="0">
+              <a:srgbClr val="000000">
+                <a:alpha val="40000"/>
+              </a:srgbClr>
+            </a:outerShdw>
+          </a:effectLst>
+          <a:scene3d>
+            <a:camera prst="orthographicFront"/>
+            <a:lightRig rig="contrasting" dir="t">
+              <a:rot lat="0" lon="0" rev="4200000"/>
+            </a:lightRig>
+          </a:scene3d>
+          <a:sp3d prstMaterial="plastic">
+            <a:bevelT w="381000" h="114300" prst="relaxedInset"/>
+            <a:contourClr>
+              <a:srgbClr val="969696"/>
+            </a:contourClr>
+          </a:sp3d>
+        </p:spPr>
+      </p:pic>
+      <p:pic>
+        <p:nvPicPr>
+          <p:cNvPr id="10" name="Picture 9">
+            <a:extLst>
+              <a:ext uri="{FF2B5EF4-FFF2-40B4-BE49-F238E27FC236}">
+                <a16:creationId xmlns:a16="http://schemas.microsoft.com/office/drawing/2014/main" id="{31342E1C-5AA8-897E-EF18-C5630E71A3CE}"/>
+              </a:ext>
+            </a:extLst>
+          </p:cNvPr>
+          <p:cNvPicPr>
+            <a:picLocks noChangeAspect="1"/>
+          </p:cNvPicPr>
+          <p:nvPr/>
+        </p:nvPicPr>
+        <p:blipFill>
+          <a:blip r:embed="rId3"/>
+          <a:stretch>
+            <a:fillRect/>
+          </a:stretch>
+        </p:blipFill>
+        <p:spPr>
+          <a:xfrm>
+            <a:off x="464448" y="2811447"/>
+            <a:ext cx="2200991" cy="713364"/>
+          </a:xfrm>
+          <a:prstGeom prst="roundRect">
+            <a:avLst>
+              <a:gd name="adj" fmla="val 16667"/>
+            </a:avLst>
+          </a:prstGeom>
+          <a:ln>
+            <a:noFill/>
+          </a:ln>
+          <a:effectLst>
+            <a:outerShdw blurRad="76200" dist="38100" dir="7800000" algn="tl" rotWithShape="0">
+              <a:srgbClr val="000000">
+                <a:alpha val="40000"/>
+              </a:srgbClr>
+            </a:outerShdw>
+          </a:effectLst>
+          <a:scene3d>
+            <a:camera prst="orthographicFront"/>
+            <a:lightRig rig="contrasting" dir="t">
+              <a:rot lat="0" lon="0" rev="4200000"/>
+            </a:lightRig>
+          </a:scene3d>
+          <a:sp3d prstMaterial="plastic">
+            <a:bevelT w="381000" h="114300" prst="relaxedInset"/>
+            <a:contourClr>
+              <a:srgbClr val="969696"/>
+            </a:contourClr>
+          </a:sp3d>
+        </p:spPr>
+      </p:pic>
+      <p:pic>
+        <p:nvPicPr>
+          <p:cNvPr id="11" name="Picture 10">
+            <a:extLst>
+              <a:ext uri="{FF2B5EF4-FFF2-40B4-BE49-F238E27FC236}">
+                <a16:creationId xmlns:a16="http://schemas.microsoft.com/office/drawing/2014/main" id="{A13C7F4B-C65C-EBD4-A77F-77BB8A72658D}"/>
+              </a:ext>
+            </a:extLst>
+          </p:cNvPr>
+          <p:cNvPicPr>
+            <a:picLocks noChangeAspect="1"/>
+          </p:cNvPicPr>
+          <p:nvPr/>
+        </p:nvPicPr>
+        <p:blipFill>
+          <a:blip r:embed="rId4"/>
+          <a:stretch>
+            <a:fillRect/>
+          </a:stretch>
+        </p:blipFill>
+        <p:spPr>
+          <a:xfrm>
+            <a:off x="464448" y="3872153"/>
+            <a:ext cx="2200994" cy="713365"/>
+          </a:xfrm>
+          <a:prstGeom prst="roundRect">
+            <a:avLst>
+              <a:gd name="adj" fmla="val 16667"/>
+            </a:avLst>
+          </a:prstGeom>
+          <a:ln>
+            <a:noFill/>
+          </a:ln>
+          <a:effectLst>
+            <a:outerShdw blurRad="76200" dist="38100" dir="7800000" algn="tl" rotWithShape="0">
+              <a:srgbClr val="000000">
+                <a:alpha val="40000"/>
+              </a:srgbClr>
+            </a:outerShdw>
+          </a:effectLst>
+          <a:scene3d>
+            <a:camera prst="orthographicFront"/>
+            <a:lightRig rig="contrasting" dir="t">
+              <a:rot lat="0" lon="0" rev="4200000"/>
+            </a:lightRig>
+          </a:scene3d>
+          <a:sp3d prstMaterial="plastic">
+            <a:bevelT w="381000" h="114300" prst="relaxedInset"/>
+            <a:contourClr>
+              <a:srgbClr val="969696"/>
+            </a:contourClr>
+          </a:sp3d>
+        </p:spPr>
+      </p:pic>
+      <p:pic>
+        <p:nvPicPr>
+          <p:cNvPr id="12" name="Picture 11">
+            <a:extLst>
+              <a:ext uri="{FF2B5EF4-FFF2-40B4-BE49-F238E27FC236}">
+                <a16:creationId xmlns:a16="http://schemas.microsoft.com/office/drawing/2014/main" id="{83F8AC67-47BA-E6E2-2671-709D7F6D7CFE}"/>
+              </a:ext>
+            </a:extLst>
+          </p:cNvPr>
+          <p:cNvPicPr>
+            <a:picLocks noChangeAspect="1"/>
+          </p:cNvPicPr>
+          <p:nvPr/>
+        </p:nvPicPr>
+        <p:blipFill>
+          <a:blip r:embed="rId5"/>
+          <a:stretch>
+            <a:fillRect/>
+          </a:stretch>
+        </p:blipFill>
+        <p:spPr>
+          <a:xfrm>
+            <a:off x="3440753" y="1838355"/>
+            <a:ext cx="2200990" cy="707363"/>
+          </a:xfrm>
+          <a:prstGeom prst="roundRect">
+            <a:avLst>
+              <a:gd name="adj" fmla="val 16667"/>
+            </a:avLst>
+          </a:prstGeom>
+          <a:ln>
+            <a:noFill/>
+          </a:ln>
+          <a:effectLst>
+            <a:outerShdw blurRad="76200" dist="38100" dir="7800000" algn="tl" rotWithShape="0">
+              <a:srgbClr val="000000">
+                <a:alpha val="40000"/>
+              </a:srgbClr>
+            </a:outerShdw>
+          </a:effectLst>
+          <a:scene3d>
+            <a:camera prst="orthographicFront"/>
+            <a:lightRig rig="contrasting" dir="t">
+              <a:rot lat="0" lon="0" rev="4200000"/>
+            </a:lightRig>
+          </a:scene3d>
+          <a:sp3d prstMaterial="plastic">
+            <a:bevelT w="381000" h="114300" prst="relaxedInset"/>
+            <a:contourClr>
+              <a:srgbClr val="969696"/>
+            </a:contourClr>
+          </a:sp3d>
+        </p:spPr>
+      </p:pic>
+      <p:pic>
+        <p:nvPicPr>
+          <p:cNvPr id="13" name="Picture 12">
+            <a:extLst>
+              <a:ext uri="{FF2B5EF4-FFF2-40B4-BE49-F238E27FC236}">
+                <a16:creationId xmlns:a16="http://schemas.microsoft.com/office/drawing/2014/main" id="{5C4FC5BE-A069-31A2-E3C0-4CFD559F9442}"/>
+              </a:ext>
+            </a:extLst>
+          </p:cNvPr>
+          <p:cNvPicPr>
+            <a:picLocks noChangeAspect="1"/>
+          </p:cNvPicPr>
+          <p:nvPr/>
+        </p:nvPicPr>
+        <p:blipFill>
+          <a:blip r:embed="rId6"/>
+          <a:stretch>
+            <a:fillRect/>
+          </a:stretch>
+        </p:blipFill>
+        <p:spPr>
+          <a:xfrm>
+            <a:off x="3440753" y="2811446"/>
+            <a:ext cx="2200990" cy="707363"/>
+          </a:xfrm>
+          <a:prstGeom prst="roundRect">
+            <a:avLst>
+              <a:gd name="adj" fmla="val 16667"/>
+            </a:avLst>
+          </a:prstGeom>
+          <a:ln>
+            <a:noFill/>
+          </a:ln>
+          <a:effectLst>
+            <a:outerShdw blurRad="76200" dist="38100" dir="7800000" algn="tl" rotWithShape="0">
+              <a:srgbClr val="000000">
+                <a:alpha val="40000"/>
+              </a:srgbClr>
+            </a:outerShdw>
+          </a:effectLst>
+          <a:scene3d>
+            <a:camera prst="orthographicFront"/>
+            <a:lightRig rig="contrasting" dir="t">
+              <a:rot lat="0" lon="0" rev="4200000"/>
+            </a:lightRig>
+          </a:scene3d>
+          <a:sp3d prstMaterial="plastic">
+            <a:bevelT w="381000" h="114300" prst="relaxedInset"/>
+            <a:contourClr>
+              <a:srgbClr val="969696"/>
+            </a:contourClr>
+          </a:sp3d>
+        </p:spPr>
+      </p:pic>
+      <p:pic>
+        <p:nvPicPr>
+          <p:cNvPr id="14" name="Picture 13">
+            <a:extLst>
+              <a:ext uri="{FF2B5EF4-FFF2-40B4-BE49-F238E27FC236}">
+                <a16:creationId xmlns:a16="http://schemas.microsoft.com/office/drawing/2014/main" id="{8E54EBD3-CA3A-27E7-C24C-D55B0A05481E}"/>
+              </a:ext>
+            </a:extLst>
+          </p:cNvPr>
+          <p:cNvPicPr>
+            <a:picLocks noChangeAspect="1"/>
+          </p:cNvPicPr>
+          <p:nvPr/>
+        </p:nvPicPr>
+        <p:blipFill>
+          <a:blip r:embed="rId7"/>
+          <a:stretch>
+            <a:fillRect/>
+          </a:stretch>
+        </p:blipFill>
+        <p:spPr>
+          <a:xfrm>
+            <a:off x="6417054" y="1835310"/>
+            <a:ext cx="2200990" cy="707361"/>
+          </a:xfrm>
+          <a:prstGeom prst="roundRect">
+            <a:avLst>
+              <a:gd name="adj" fmla="val 16667"/>
+            </a:avLst>
+          </a:prstGeom>
+          <a:ln>
+            <a:noFill/>
+          </a:ln>
+          <a:effectLst>
+            <a:outerShdw blurRad="76200" dist="38100" dir="7800000" algn="tl" rotWithShape="0">
+              <a:srgbClr val="000000">
+                <a:alpha val="40000"/>
+              </a:srgbClr>
+            </a:outerShdw>
+          </a:effectLst>
+          <a:scene3d>
+            <a:camera prst="orthographicFront"/>
+            <a:lightRig rig="contrasting" dir="t">
+              <a:rot lat="0" lon="0" rev="4200000"/>
+            </a:lightRig>
+          </a:scene3d>
+          <a:sp3d prstMaterial="plastic">
+            <a:bevelT w="381000" h="114300" prst="relaxedInset"/>
+            <a:contourClr>
+              <a:srgbClr val="969696"/>
+            </a:contourClr>
+          </a:sp3d>
+        </p:spPr>
+      </p:pic>
+      <p:pic>
+        <p:nvPicPr>
+          <p:cNvPr id="15" name="Picture 14">
+            <a:extLst>
+              <a:ext uri="{FF2B5EF4-FFF2-40B4-BE49-F238E27FC236}">
+                <a16:creationId xmlns:a16="http://schemas.microsoft.com/office/drawing/2014/main" id="{721F72FA-668D-FE4E-B7FC-358D27E0BCE6}"/>
+              </a:ext>
+            </a:extLst>
+          </p:cNvPr>
+          <p:cNvPicPr>
+            <a:picLocks noChangeAspect="1"/>
+          </p:cNvPicPr>
+          <p:nvPr/>
+        </p:nvPicPr>
+        <p:blipFill>
+          <a:blip r:embed="rId8"/>
+          <a:stretch>
+            <a:fillRect/>
+          </a:stretch>
+        </p:blipFill>
+        <p:spPr>
+          <a:xfrm>
+            <a:off x="3440753" y="3871822"/>
+            <a:ext cx="2200990" cy="707362"/>
+          </a:xfrm>
+          <a:prstGeom prst="roundRect">
+            <a:avLst>
+              <a:gd name="adj" fmla="val 16667"/>
+            </a:avLst>
+          </a:prstGeom>
+          <a:ln>
+            <a:noFill/>
+          </a:ln>
+          <a:effectLst>
+            <a:outerShdw blurRad="76200" dist="38100" dir="7800000" algn="tl" rotWithShape="0">
+              <a:srgbClr val="000000">
+                <a:alpha val="40000"/>
+              </a:srgbClr>
+            </a:outerShdw>
+          </a:effectLst>
+          <a:scene3d>
+            <a:camera prst="orthographicFront"/>
+            <a:lightRig rig="contrasting" dir="t">
+              <a:rot lat="0" lon="0" rev="4200000"/>
+            </a:lightRig>
+          </a:scene3d>
+          <a:sp3d prstMaterial="plastic">
+            <a:bevelT w="381000" h="114300" prst="relaxedInset"/>
+            <a:contourClr>
+              <a:srgbClr val="969696"/>
+            </a:contourClr>
+          </a:sp3d>
+        </p:spPr>
+      </p:pic>
+      <p:pic>
+        <p:nvPicPr>
+          <p:cNvPr id="16" name="Picture 15">
+            <a:extLst>
+              <a:ext uri="{FF2B5EF4-FFF2-40B4-BE49-F238E27FC236}">
+                <a16:creationId xmlns:a16="http://schemas.microsoft.com/office/drawing/2014/main" id="{D37169C8-0779-C324-865E-86D3E274FD67}"/>
+              </a:ext>
+            </a:extLst>
+          </p:cNvPr>
+          <p:cNvPicPr>
+            <a:picLocks noChangeAspect="1"/>
+          </p:cNvPicPr>
+          <p:nvPr/>
+        </p:nvPicPr>
+        <p:blipFill>
+          <a:blip r:embed="rId9"/>
+          <a:stretch>
+            <a:fillRect/>
+          </a:stretch>
+        </p:blipFill>
+        <p:spPr>
+          <a:xfrm>
+            <a:off x="6417054" y="2811446"/>
+            <a:ext cx="2200990" cy="707362"/>
+          </a:xfrm>
+          <a:prstGeom prst="roundRect">
+            <a:avLst>
+              <a:gd name="adj" fmla="val 16667"/>
+            </a:avLst>
+          </a:prstGeom>
+          <a:ln>
+            <a:noFill/>
+          </a:ln>
+          <a:effectLst>
+            <a:outerShdw blurRad="76200" dist="38100" dir="7800000" algn="tl" rotWithShape="0">
+              <a:srgbClr val="000000">
+                <a:alpha val="40000"/>
+              </a:srgbClr>
+            </a:outerShdw>
+          </a:effectLst>
+          <a:scene3d>
+            <a:camera prst="orthographicFront"/>
+            <a:lightRig rig="contrasting" dir="t">
+              <a:rot lat="0" lon="0" rev="4200000"/>
+            </a:lightRig>
+          </a:scene3d>
+          <a:sp3d prstMaterial="plastic">
+            <a:bevelT w="381000" h="114300" prst="relaxedInset"/>
+            <a:contourClr>
+              <a:srgbClr val="969696"/>
+            </a:contourClr>
+          </a:sp3d>
+        </p:spPr>
+      </p:pic>
+      <p:pic>
+        <p:nvPicPr>
+          <p:cNvPr id="17" name="Picture 16">
+            <a:extLst>
+              <a:ext uri="{FF2B5EF4-FFF2-40B4-BE49-F238E27FC236}">
+                <a16:creationId xmlns:a16="http://schemas.microsoft.com/office/drawing/2014/main" id="{8A9F9557-3CBB-B634-6EF6-CA00BB183AE5}"/>
+              </a:ext>
+            </a:extLst>
+          </p:cNvPr>
+          <p:cNvPicPr>
+            <a:picLocks noChangeAspect="1"/>
+          </p:cNvPicPr>
+          <p:nvPr/>
+        </p:nvPicPr>
+        <p:blipFill>
+          <a:blip r:embed="rId10"/>
+          <a:stretch>
+            <a:fillRect/>
+          </a:stretch>
+        </p:blipFill>
+        <p:spPr>
+          <a:xfrm>
+            <a:off x="6417054" y="3864100"/>
+            <a:ext cx="2200990" cy="707362"/>
+          </a:xfrm>
+          <a:prstGeom prst="roundRect">
+            <a:avLst>
+              <a:gd name="adj" fmla="val 16667"/>
+            </a:avLst>
+          </a:prstGeom>
+          <a:ln>
+            <a:noFill/>
+          </a:ln>
+          <a:effectLst>
+            <a:outerShdw blurRad="76200" dist="38100" dir="7800000" algn="tl" rotWithShape="0">
+              <a:srgbClr val="000000">
+                <a:alpha val="40000"/>
+              </a:srgbClr>
+            </a:outerShdw>
+          </a:effectLst>
+          <a:scene3d>
+            <a:camera prst="orthographicFront"/>
+            <a:lightRig rig="contrasting" dir="t">
+              <a:rot lat="0" lon="0" rev="4200000"/>
+            </a:lightRig>
+          </a:scene3d>
+          <a:sp3d prstMaterial="plastic">
+            <a:bevelT w="381000" h="114300" prst="relaxedInset"/>
+            <a:contourClr>
+              <a:srgbClr val="969696"/>
+            </a:contourClr>
+          </a:sp3d>
+        </p:spPr>
+      </p:pic>
+    </p:spTree>
+    <p:extLst>
+      <p:ext uri="{BB962C8B-B14F-4D97-AF65-F5344CB8AC3E}">
+        <p14:creationId xmlns:p14="http://schemas.microsoft.com/office/powerpoint/2010/main" val="712718130"/>
+      </p:ext>
+    </p:extLst>
+  </p:cSld>
+  <p:clrMapOvr>
+    <a:masterClrMapping/>
+  </p:clrMapOvr>
+</p:sld>
+</file>
+
+<file path=ppt/slides/slide19.xml><?xml version="1.0" encoding="utf-8"?>
+<p:sld xmlns:a="http://schemas.openxmlformats.org/drawingml/2006/main" xmlns:r="http://schemas.openxmlformats.org/officeDocument/2006/relationships" xmlns:p="http://schemas.openxmlformats.org/presentationml/2006/main">
+  <p:cSld>
+    <p:spTree>
+      <p:nvGrpSpPr>
+        <p:cNvPr id="1" name="">
+          <a:extLst>
+            <a:ext uri="{FF2B5EF4-FFF2-40B4-BE49-F238E27FC236}">
+              <a16:creationId xmlns:a16="http://schemas.microsoft.com/office/drawing/2014/main" id="{8556CF8C-F452-8D17-2957-8D3D67CFCBF3}"/>
+            </a:ext>
+          </a:extLst>
+        </p:cNvPr>
+        <p:cNvGrpSpPr/>
+        <p:nvPr/>
+      </p:nvGrpSpPr>
+      <p:grpSpPr>
+        <a:xfrm>
+          <a:off x="0" y="0"/>
+          <a:ext cx="0" cy="0"/>
+          <a:chOff x="0" y="0"/>
+          <a:chExt cx="0" cy="0"/>
+        </a:xfrm>
+      </p:grpSpPr>
+      <p:sp>
+        <p:nvSpPr>
+          <p:cNvPr id="48" name="TextBox 47">
+            <a:extLst>
+              <a:ext uri="{FF2B5EF4-FFF2-40B4-BE49-F238E27FC236}">
+                <a16:creationId xmlns:a16="http://schemas.microsoft.com/office/drawing/2014/main" id="{260B9008-C9C5-9598-CF16-89D7CF1BD68B}"/>
+              </a:ext>
+            </a:extLst>
+          </p:cNvPr>
+          <p:cNvSpPr txBox="1"/>
+          <p:nvPr/>
+        </p:nvSpPr>
+        <p:spPr>
+          <a:xfrm>
+            <a:off x="4987681" y="1427627"/>
+            <a:ext cx="184731" cy="307777"/>
+          </a:xfrm>
+          <a:prstGeom prst="rect">
+            <a:avLst/>
+          </a:prstGeom>
+          <a:noFill/>
+        </p:spPr>
+        <p:txBody>
+          <a:bodyPr wrap="none" rtlCol="0">
+            <a:spAutoFit/>
+          </a:bodyPr>
+          <a:lstStyle/>
+          <a:p>
+            <a:endParaRPr lang="en-AE" dirty="0"/>
+          </a:p>
+        </p:txBody>
+      </p:sp>
+      <p:sp>
+        <p:nvSpPr>
+          <p:cNvPr id="63" name="TextBox 62">
+            <a:extLst>
+              <a:ext uri="{FF2B5EF4-FFF2-40B4-BE49-F238E27FC236}">
+                <a16:creationId xmlns:a16="http://schemas.microsoft.com/office/drawing/2014/main" id="{7D2F195B-45E9-D0A7-B9BA-54D161107986}"/>
+              </a:ext>
+            </a:extLst>
+          </p:cNvPr>
+          <p:cNvSpPr txBox="1"/>
+          <p:nvPr/>
+        </p:nvSpPr>
+        <p:spPr>
+          <a:xfrm>
+            <a:off x="5330640" y="1520200"/>
+            <a:ext cx="184731" cy="307777"/>
+          </a:xfrm>
+          <a:prstGeom prst="rect">
+            <a:avLst/>
+          </a:prstGeom>
+          <a:noFill/>
+        </p:spPr>
+        <p:txBody>
+          <a:bodyPr wrap="none" rtlCol="0">
+            <a:spAutoFit/>
+          </a:bodyPr>
+          <a:lstStyle/>
+          <a:p>
+            <a:endParaRPr lang="en-AE" dirty="0"/>
+          </a:p>
+        </p:txBody>
+      </p:sp>
+      <p:sp>
+        <p:nvSpPr>
+          <p:cNvPr id="64" name="Google Shape;94;p14">
+            <a:extLst>
+              <a:ext uri="{FF2B5EF4-FFF2-40B4-BE49-F238E27FC236}">
+                <a16:creationId xmlns:a16="http://schemas.microsoft.com/office/drawing/2014/main" id="{F2A8BF15-9548-0BE3-0F93-FFB6C1FB25C4}"/>
+              </a:ext>
+            </a:extLst>
+          </p:cNvPr>
+          <p:cNvSpPr txBox="1">
+            <a:spLocks/>
+          </p:cNvSpPr>
+          <p:nvPr/>
+        </p:nvSpPr>
+        <p:spPr>
+          <a:xfrm>
+            <a:off x="255810" y="925719"/>
+            <a:ext cx="7704000" cy="564300"/>
+          </a:xfrm>
+          <a:prstGeom prst="rect">
+            <a:avLst/>
+          </a:prstGeom>
+          <a:noFill/>
+          <a:ln>
+            <a:noFill/>
+          </a:ln>
+        </p:spPr>
+        <p:txBody>
+          <a:bodyPr spcFirstLastPara="1" wrap="square" lIns="91425" tIns="91425" rIns="91425" bIns="91425" anchor="ctr" anchorCtr="0">
+            <a:noAutofit/>
+          </a:bodyPr>
+          <a:lstStyle>
+            <a:defPPr marR="0" lvl="0" algn="l" rtl="0">
+              <a:lnSpc>
+                <a:spcPct val="100000"/>
+              </a:lnSpc>
+              <a:spcBef>
+                <a:spcPts val="0"/>
+              </a:spcBef>
+              <a:spcAft>
+                <a:spcPts val="0"/>
+              </a:spcAft>
+            </a:defPPr>
+            <a:lvl1pPr marR="0" lvl="0" algn="l" rtl="0">
+              <a:lnSpc>
+                <a:spcPct val="100000"/>
+              </a:lnSpc>
+              <a:spcBef>
+                <a:spcPts val="0"/>
+              </a:spcBef>
+              <a:spcAft>
+                <a:spcPts val="0"/>
+              </a:spcAft>
+              <a:buClr>
+                <a:srgbClr val="000000"/>
+              </a:buClr>
+              <a:buFont typeface="Arial"/>
+              <a:defRPr sz="1400" b="0" i="0" u="none" strike="noStrike" cap="none">
+                <a:solidFill>
+                  <a:srgbClr val="000000"/>
+                </a:solidFill>
+                <a:latin typeface="Arial"/>
+                <a:ea typeface="Arial"/>
+                <a:cs typeface="Arial"/>
+                <a:sym typeface="Arial"/>
+              </a:defRPr>
+            </a:lvl1pPr>
+            <a:lvl2pPr marR="0" lvl="1" algn="l" rtl="0">
+              <a:lnSpc>
+                <a:spcPct val="100000"/>
+              </a:lnSpc>
+              <a:spcBef>
+                <a:spcPts val="0"/>
+              </a:spcBef>
+              <a:spcAft>
+                <a:spcPts val="0"/>
+              </a:spcAft>
+              <a:buClr>
+                <a:srgbClr val="000000"/>
+              </a:buClr>
+              <a:buFont typeface="Arial"/>
+              <a:defRPr sz="1400" b="0" i="0" u="none" strike="noStrike" cap="none">
+                <a:solidFill>
+                  <a:srgbClr val="000000"/>
+                </a:solidFill>
+                <a:latin typeface="Arial"/>
+                <a:ea typeface="Arial"/>
+                <a:cs typeface="Arial"/>
+                <a:sym typeface="Arial"/>
+              </a:defRPr>
+            </a:lvl2pPr>
+            <a:lvl3pPr marR="0" lvl="2" algn="l" rtl="0">
+              <a:lnSpc>
+                <a:spcPct val="100000"/>
+              </a:lnSpc>
+              <a:spcBef>
+                <a:spcPts val="0"/>
+              </a:spcBef>
+              <a:spcAft>
+                <a:spcPts val="0"/>
+              </a:spcAft>
+              <a:buClr>
+                <a:srgbClr val="000000"/>
+              </a:buClr>
+              <a:buFont typeface="Arial"/>
+              <a:defRPr sz="1400" b="0" i="0" u="none" strike="noStrike" cap="none">
+                <a:solidFill>
+                  <a:srgbClr val="000000"/>
+                </a:solidFill>
+                <a:latin typeface="Arial"/>
+                <a:ea typeface="Arial"/>
+                <a:cs typeface="Arial"/>
+                <a:sym typeface="Arial"/>
+              </a:defRPr>
+            </a:lvl3pPr>
+            <a:lvl4pPr marR="0" lvl="3" algn="l" rtl="0">
+              <a:lnSpc>
+                <a:spcPct val="100000"/>
+              </a:lnSpc>
+              <a:spcBef>
+                <a:spcPts val="0"/>
+              </a:spcBef>
+              <a:spcAft>
+                <a:spcPts val="0"/>
+              </a:spcAft>
+              <a:buClr>
+                <a:srgbClr val="000000"/>
+              </a:buClr>
+              <a:buFont typeface="Arial"/>
+              <a:defRPr sz="1400" b="0" i="0" u="none" strike="noStrike" cap="none">
+                <a:solidFill>
+                  <a:srgbClr val="000000"/>
+                </a:solidFill>
+                <a:latin typeface="Arial"/>
+                <a:ea typeface="Arial"/>
+                <a:cs typeface="Arial"/>
+                <a:sym typeface="Arial"/>
+              </a:defRPr>
+            </a:lvl4pPr>
+            <a:lvl5pPr marR="0" lvl="4" algn="l" rtl="0">
+              <a:lnSpc>
+                <a:spcPct val="100000"/>
+              </a:lnSpc>
+              <a:spcBef>
+                <a:spcPts val="0"/>
+              </a:spcBef>
+              <a:spcAft>
+                <a:spcPts val="0"/>
+              </a:spcAft>
+              <a:buClr>
+                <a:srgbClr val="000000"/>
+              </a:buClr>
+              <a:buFont typeface="Arial"/>
+              <a:defRPr sz="1400" b="0" i="0" u="none" strike="noStrike" cap="none">
+                <a:solidFill>
+                  <a:srgbClr val="000000"/>
+                </a:solidFill>
+                <a:latin typeface="Arial"/>
+                <a:ea typeface="Arial"/>
+                <a:cs typeface="Arial"/>
+                <a:sym typeface="Arial"/>
+              </a:defRPr>
+            </a:lvl5pPr>
+            <a:lvl6pPr marR="0" lvl="5" algn="l" rtl="0">
+              <a:lnSpc>
+                <a:spcPct val="100000"/>
+              </a:lnSpc>
+              <a:spcBef>
+                <a:spcPts val="0"/>
+              </a:spcBef>
+              <a:spcAft>
+                <a:spcPts val="0"/>
+              </a:spcAft>
+              <a:buClr>
+                <a:srgbClr val="000000"/>
+              </a:buClr>
+              <a:buFont typeface="Arial"/>
+              <a:defRPr sz="1400" b="0" i="0" u="none" strike="noStrike" cap="none">
+                <a:solidFill>
+                  <a:srgbClr val="000000"/>
+                </a:solidFill>
+                <a:latin typeface="Arial"/>
+                <a:ea typeface="Arial"/>
+                <a:cs typeface="Arial"/>
+                <a:sym typeface="Arial"/>
+              </a:defRPr>
+            </a:lvl6pPr>
+            <a:lvl7pPr marR="0" lvl="6" algn="l" rtl="0">
+              <a:lnSpc>
+                <a:spcPct val="100000"/>
+              </a:lnSpc>
+              <a:spcBef>
+                <a:spcPts val="0"/>
+              </a:spcBef>
+              <a:spcAft>
+                <a:spcPts val="0"/>
+              </a:spcAft>
+              <a:buClr>
+                <a:srgbClr val="000000"/>
+              </a:buClr>
+              <a:buFont typeface="Arial"/>
+              <a:defRPr sz="1400" b="0" i="0" u="none" strike="noStrike" cap="none">
+                <a:solidFill>
+                  <a:srgbClr val="000000"/>
+                </a:solidFill>
+                <a:latin typeface="Arial"/>
+                <a:ea typeface="Arial"/>
+                <a:cs typeface="Arial"/>
+                <a:sym typeface="Arial"/>
+              </a:defRPr>
+            </a:lvl7pPr>
+            <a:lvl8pPr marR="0" lvl="7" algn="l" rtl="0">
+              <a:lnSpc>
+                <a:spcPct val="100000"/>
+              </a:lnSpc>
+              <a:spcBef>
+                <a:spcPts val="0"/>
+              </a:spcBef>
+              <a:spcAft>
+                <a:spcPts val="0"/>
+              </a:spcAft>
+              <a:buClr>
+                <a:srgbClr val="000000"/>
+              </a:buClr>
+              <a:buFont typeface="Arial"/>
+              <a:defRPr sz="1400" b="0" i="0" u="none" strike="noStrike" cap="none">
+                <a:solidFill>
+                  <a:srgbClr val="000000"/>
+                </a:solidFill>
+                <a:latin typeface="Arial"/>
+                <a:ea typeface="Arial"/>
+                <a:cs typeface="Arial"/>
+                <a:sym typeface="Arial"/>
+              </a:defRPr>
+            </a:lvl8pPr>
+            <a:lvl9pPr marR="0" lvl="8" algn="l" rtl="0">
+              <a:lnSpc>
+                <a:spcPct val="100000"/>
+              </a:lnSpc>
+              <a:spcBef>
+                <a:spcPts val="0"/>
+              </a:spcBef>
+              <a:spcAft>
+                <a:spcPts val="0"/>
+              </a:spcAft>
+              <a:buClr>
+                <a:srgbClr val="000000"/>
+              </a:buClr>
+              <a:buFont typeface="Arial"/>
+              <a:defRPr sz="1400" b="0" i="0" u="none" strike="noStrike" cap="none">
+                <a:solidFill>
+                  <a:srgbClr val="000000"/>
+                </a:solidFill>
+                <a:latin typeface="Arial"/>
+                <a:ea typeface="Arial"/>
+                <a:cs typeface="Arial"/>
+                <a:sym typeface="Arial"/>
+              </a:defRPr>
+            </a:lvl9pPr>
+          </a:lstStyle>
+          <a:p>
+            <a:pPr>
+              <a:buSzPts val="3500"/>
+            </a:pPr>
+            <a:r>
+              <a:rPr lang="en-US" sz="3500" b="1" dirty="0">
+                <a:solidFill>
+                  <a:schemeClr val="tx1"/>
+                </a:solidFill>
+                <a:latin typeface="Ubuntu Condensed"/>
+                <a:sym typeface="Ubuntu Condensed"/>
+              </a:rPr>
+              <a:t>Backlog Refinement</a:t>
+            </a:r>
+          </a:p>
+        </p:txBody>
+      </p:sp>
+      <p:sp>
+        <p:nvSpPr>
+          <p:cNvPr id="65" name="Google Shape;96;p14">
+            <a:extLst>
+              <a:ext uri="{FF2B5EF4-FFF2-40B4-BE49-F238E27FC236}">
+                <a16:creationId xmlns:a16="http://schemas.microsoft.com/office/drawing/2014/main" id="{B9438BF9-E163-7081-7DD7-98E45B18CD7C}"/>
+              </a:ext>
+            </a:extLst>
+          </p:cNvPr>
+          <p:cNvSpPr/>
+          <p:nvPr/>
+        </p:nvSpPr>
+        <p:spPr>
+          <a:xfrm flipV="1">
+            <a:off x="359326" y="1518919"/>
+            <a:ext cx="1387408" cy="45719"/>
+          </a:xfrm>
+          <a:prstGeom prst="rect">
+            <a:avLst/>
+          </a:prstGeom>
+          <a:solidFill>
+            <a:srgbClr val="FF8C3B"/>
+          </a:solidFill>
+          <a:ln>
+            <a:noFill/>
+          </a:ln>
+        </p:spPr>
+        <p:txBody>
+          <a:bodyPr spcFirstLastPara="1" wrap="square" lIns="91425" tIns="91425" rIns="91425" bIns="91425" anchor="ctr" anchorCtr="0">
+            <a:noAutofit/>
+          </a:bodyPr>
+          <a:lstStyle/>
+          <a:p>
+            <a:pPr marL="0" marR="0" lvl="0" indent="0" algn="l" rtl="0">
+              <a:lnSpc>
+                <a:spcPct val="100000"/>
+              </a:lnSpc>
+              <a:spcBef>
+                <a:spcPts val="0"/>
+              </a:spcBef>
+              <a:spcAft>
+                <a:spcPts val="0"/>
+              </a:spcAft>
+              <a:buClr>
+                <a:srgbClr val="000000"/>
+              </a:buClr>
+              <a:buSzPts val="1400"/>
+              <a:buFont typeface="Arial"/>
+              <a:buNone/>
+            </a:pPr>
+            <a:endParaRPr sz="1400" b="0" i="0" u="none" strike="noStrike" cap="none">
+              <a:solidFill>
+                <a:srgbClr val="000000"/>
+              </a:solidFill>
+              <a:latin typeface="Arial"/>
+              <a:ea typeface="Arial"/>
+              <a:cs typeface="Arial"/>
+              <a:sym typeface="Arial"/>
+            </a:endParaRPr>
+          </a:p>
+        </p:txBody>
+      </p:sp>
+      <p:pic>
+        <p:nvPicPr>
+          <p:cNvPr id="2" name="Picture 1">
+            <a:extLst>
+              <a:ext uri="{FF2B5EF4-FFF2-40B4-BE49-F238E27FC236}">
+                <a16:creationId xmlns:a16="http://schemas.microsoft.com/office/drawing/2014/main" id="{DD862CFD-0094-FC9B-66C8-E8DF356689F5}"/>
+              </a:ext>
+            </a:extLst>
+          </p:cNvPr>
+          <p:cNvPicPr>
+            <a:picLocks noChangeAspect="1"/>
+          </p:cNvPicPr>
+          <p:nvPr/>
+        </p:nvPicPr>
+        <p:blipFill>
+          <a:blip r:embed="rId2"/>
+          <a:stretch>
+            <a:fillRect/>
+          </a:stretch>
+        </p:blipFill>
+        <p:spPr>
+          <a:xfrm>
+            <a:off x="482170" y="1969520"/>
+            <a:ext cx="3567274" cy="1204459"/>
+          </a:xfrm>
+          <a:prstGeom prst="roundRect">
+            <a:avLst>
+              <a:gd name="adj" fmla="val 16667"/>
+            </a:avLst>
+          </a:prstGeom>
+          <a:ln>
+            <a:noFill/>
+          </a:ln>
+          <a:effectLst>
+            <a:outerShdw blurRad="76200" dist="38100" dir="7800000" algn="tl" rotWithShape="0">
+              <a:srgbClr val="000000">
+                <a:alpha val="40000"/>
+              </a:srgbClr>
+            </a:outerShdw>
+          </a:effectLst>
+          <a:scene3d>
+            <a:camera prst="orthographicFront"/>
+            <a:lightRig rig="contrasting" dir="t">
+              <a:rot lat="0" lon="0" rev="4200000"/>
+            </a:lightRig>
+          </a:scene3d>
+          <a:sp3d prstMaterial="plastic">
+            <a:bevelT w="381000" h="114300" prst="relaxedInset"/>
+            <a:contourClr>
+              <a:srgbClr val="969696"/>
+            </a:contourClr>
+          </a:sp3d>
+        </p:spPr>
+      </p:pic>
+      <p:pic>
+        <p:nvPicPr>
+          <p:cNvPr id="3" name="Picture 2">
+            <a:extLst>
+              <a:ext uri="{FF2B5EF4-FFF2-40B4-BE49-F238E27FC236}">
+                <a16:creationId xmlns:a16="http://schemas.microsoft.com/office/drawing/2014/main" id="{EF6E4D27-7B26-C58A-2097-DD8A7492FCFD}"/>
+              </a:ext>
+            </a:extLst>
+          </p:cNvPr>
+          <p:cNvPicPr>
+            <a:picLocks noChangeAspect="1"/>
+          </p:cNvPicPr>
+          <p:nvPr/>
+        </p:nvPicPr>
+        <p:blipFill>
+          <a:blip r:embed="rId3"/>
+          <a:stretch>
+            <a:fillRect/>
+          </a:stretch>
+        </p:blipFill>
+        <p:spPr>
+          <a:xfrm>
+            <a:off x="216020" y="3373389"/>
+            <a:ext cx="4099573" cy="907110"/>
+          </a:xfrm>
+          <a:prstGeom prst="roundRect">
+            <a:avLst>
+              <a:gd name="adj" fmla="val 16667"/>
+            </a:avLst>
+          </a:prstGeom>
+          <a:ln>
+            <a:noFill/>
+          </a:ln>
+          <a:effectLst>
+            <a:outerShdw blurRad="76200" dist="38100" dir="7800000" algn="tl" rotWithShape="0">
+              <a:srgbClr val="000000">
+                <a:alpha val="40000"/>
+              </a:srgbClr>
+            </a:outerShdw>
+          </a:effectLst>
+          <a:scene3d>
+            <a:camera prst="orthographicFront"/>
+            <a:lightRig rig="contrasting" dir="t">
+              <a:rot lat="0" lon="0" rev="4200000"/>
+            </a:lightRig>
+          </a:scene3d>
+          <a:sp3d prstMaterial="plastic">
+            <a:bevelT w="381000" h="114300" prst="relaxedInset"/>
+            <a:contourClr>
+              <a:srgbClr val="969696"/>
+            </a:contourClr>
+          </a:sp3d>
+        </p:spPr>
+      </p:pic>
+      <p:pic>
+        <p:nvPicPr>
+          <p:cNvPr id="4" name="Picture 3">
+            <a:extLst>
+              <a:ext uri="{FF2B5EF4-FFF2-40B4-BE49-F238E27FC236}">
+                <a16:creationId xmlns:a16="http://schemas.microsoft.com/office/drawing/2014/main" id="{58044B83-C571-C237-D869-FC8F3BDDFDD1}"/>
+              </a:ext>
+            </a:extLst>
+          </p:cNvPr>
+          <p:cNvPicPr>
+            <a:picLocks noChangeAspect="1"/>
+          </p:cNvPicPr>
+          <p:nvPr/>
+        </p:nvPicPr>
+        <p:blipFill>
+          <a:blip r:embed="rId4"/>
+          <a:stretch>
+            <a:fillRect/>
+          </a:stretch>
+        </p:blipFill>
+        <p:spPr>
+          <a:xfrm>
+            <a:off x="4798341" y="2188192"/>
+            <a:ext cx="3863489" cy="1971574"/>
+          </a:xfrm>
+          <a:prstGeom prst="roundRect">
+            <a:avLst>
+              <a:gd name="adj" fmla="val 16667"/>
+            </a:avLst>
+          </a:prstGeom>
+          <a:ln>
+            <a:noFill/>
+          </a:ln>
+          <a:effectLst>
+            <a:outerShdw blurRad="76200" dist="38100" dir="7800000" algn="tl" rotWithShape="0">
+              <a:srgbClr val="000000">
+                <a:alpha val="40000"/>
+              </a:srgbClr>
+            </a:outerShdw>
+          </a:effectLst>
+          <a:scene3d>
+            <a:camera prst="orthographicFront"/>
+            <a:lightRig rig="contrasting" dir="t">
+              <a:rot lat="0" lon="0" rev="4200000"/>
+            </a:lightRig>
+          </a:scene3d>
+          <a:sp3d prstMaterial="plastic">
+            <a:bevelT w="381000" h="114300" prst="relaxedInset"/>
+            <a:contourClr>
+              <a:srgbClr val="969696"/>
+            </a:contourClr>
+          </a:sp3d>
+        </p:spPr>
+      </p:pic>
+    </p:spTree>
+    <p:extLst>
+      <p:ext uri="{BB962C8B-B14F-4D97-AF65-F5344CB8AC3E}">
+        <p14:creationId xmlns:p14="http://schemas.microsoft.com/office/powerpoint/2010/main" val="2599386250"/>
+      </p:ext>
+    </p:extLst>
   </p:cSld>
   <p:clrMapOvr>
     <a:masterClrMapping/>
@@ -27726,6 +29730,1520 @@
               <a:latin typeface="Ubuntu" panose="020B0504030602030204" pitchFamily="34" charset="0"/>
               <a:sym typeface="Arial"/>
             </a:endParaRPr>
+          </a:p>
+        </p:txBody>
+      </p:sp>
+    </p:spTree>
+  </p:cSld>
+  <p:clrMapOvr>
+    <a:masterClrMapping/>
+  </p:clrMapOvr>
+</p:sld>
+</file>
+
+<file path=ppt/slides/slide20.xml><?xml version="1.0" encoding="utf-8"?>
+<p:sld xmlns:a="http://schemas.openxmlformats.org/drawingml/2006/main" xmlns:r="http://schemas.openxmlformats.org/officeDocument/2006/relationships" xmlns:p="http://schemas.openxmlformats.org/presentationml/2006/main">
+  <p:cSld>
+    <p:spTree>
+      <p:nvGrpSpPr>
+        <p:cNvPr id="1" name="Shape 202">
+          <a:extLst>
+            <a:ext uri="{FF2B5EF4-FFF2-40B4-BE49-F238E27FC236}">
+              <a16:creationId xmlns:a16="http://schemas.microsoft.com/office/drawing/2014/main" id="{24034091-8ACB-28B8-C0AC-E363C24121ED}"/>
+            </a:ext>
+          </a:extLst>
+        </p:cNvPr>
+        <p:cNvGrpSpPr/>
+        <p:nvPr/>
+      </p:nvGrpSpPr>
+      <p:grpSpPr>
+        <a:xfrm>
+          <a:off x="0" y="0"/>
+          <a:ext cx="0" cy="0"/>
+          <a:chOff x="0" y="0"/>
+          <a:chExt cx="0" cy="0"/>
+        </a:xfrm>
+      </p:grpSpPr>
+      <p:sp>
+        <p:nvSpPr>
+          <p:cNvPr id="13" name="Google Shape;94;p14">
+            <a:extLst>
+              <a:ext uri="{FF2B5EF4-FFF2-40B4-BE49-F238E27FC236}">
+                <a16:creationId xmlns:a16="http://schemas.microsoft.com/office/drawing/2014/main" id="{9035955C-2CE8-CA1B-EF2C-BB7E7832AFDE}"/>
+              </a:ext>
+            </a:extLst>
+          </p:cNvPr>
+          <p:cNvSpPr txBox="1">
+            <a:spLocks noGrp="1"/>
+          </p:cNvSpPr>
+          <p:nvPr>
+            <p:ph type="title"/>
+          </p:nvPr>
+        </p:nvSpPr>
+        <p:spPr>
+          <a:xfrm>
+            <a:off x="255810" y="925719"/>
+            <a:ext cx="7704000" cy="564300"/>
+          </a:xfrm>
+          <a:prstGeom prst="rect">
+            <a:avLst/>
+          </a:prstGeom>
+          <a:noFill/>
+          <a:ln>
+            <a:noFill/>
+          </a:ln>
+        </p:spPr>
+        <p:txBody>
+          <a:bodyPr spcFirstLastPara="1" wrap="square" lIns="91425" tIns="91425" rIns="91425" bIns="91425" anchor="ctr" anchorCtr="0">
+            <a:noAutofit/>
+          </a:bodyPr>
+          <a:lstStyle/>
+          <a:p>
+            <a:pPr>
+              <a:lnSpc>
+                <a:spcPct val="100000"/>
+              </a:lnSpc>
+              <a:buSzPts val="3500"/>
+            </a:pPr>
+            <a:r>
+              <a:rPr lang="en-US" sz="3500" b="1" dirty="0">
+                <a:solidFill>
+                  <a:schemeClr val="tx1"/>
+                </a:solidFill>
+                <a:latin typeface="Ubuntu Condensed"/>
+                <a:sym typeface="Ubuntu Condensed"/>
+              </a:rPr>
+              <a:t>Project Challenges</a:t>
+            </a:r>
+            <a:endParaRPr sz="3500" b="1" dirty="0">
+              <a:solidFill>
+                <a:schemeClr val="tx1"/>
+              </a:solidFill>
+              <a:latin typeface="Ubuntu Condensed"/>
+              <a:sym typeface="Ubuntu Condensed"/>
+            </a:endParaRPr>
+          </a:p>
+        </p:txBody>
+      </p:sp>
+      <p:sp>
+        <p:nvSpPr>
+          <p:cNvPr id="14" name="Google Shape;96;p14">
+            <a:extLst>
+              <a:ext uri="{FF2B5EF4-FFF2-40B4-BE49-F238E27FC236}">
+                <a16:creationId xmlns:a16="http://schemas.microsoft.com/office/drawing/2014/main" id="{15B360FB-C237-AA77-5513-2B781FE0E25E}"/>
+              </a:ext>
+            </a:extLst>
+          </p:cNvPr>
+          <p:cNvSpPr/>
+          <p:nvPr/>
+        </p:nvSpPr>
+        <p:spPr>
+          <a:xfrm flipV="1">
+            <a:off x="359326" y="1518918"/>
+            <a:ext cx="968970" cy="45719"/>
+          </a:xfrm>
+          <a:prstGeom prst="rect">
+            <a:avLst/>
+          </a:prstGeom>
+          <a:solidFill>
+            <a:srgbClr val="FF8C3B"/>
+          </a:solidFill>
+          <a:ln>
+            <a:noFill/>
+          </a:ln>
+        </p:spPr>
+        <p:txBody>
+          <a:bodyPr spcFirstLastPara="1" wrap="square" lIns="91425" tIns="91425" rIns="91425" bIns="91425" anchor="ctr" anchorCtr="0">
+            <a:noAutofit/>
+          </a:bodyPr>
+          <a:lstStyle/>
+          <a:p>
+            <a:pPr marL="0" marR="0" lvl="0" indent="0" algn="l" rtl="0">
+              <a:lnSpc>
+                <a:spcPct val="100000"/>
+              </a:lnSpc>
+              <a:spcBef>
+                <a:spcPts val="0"/>
+              </a:spcBef>
+              <a:spcAft>
+                <a:spcPts val="0"/>
+              </a:spcAft>
+              <a:buClr>
+                <a:srgbClr val="000000"/>
+              </a:buClr>
+              <a:buSzPts val="1400"/>
+              <a:buFont typeface="Arial"/>
+              <a:buNone/>
+            </a:pPr>
+            <a:endParaRPr sz="1400" b="0" i="0" u="none" strike="noStrike" cap="none">
+              <a:solidFill>
+                <a:srgbClr val="000000"/>
+              </a:solidFill>
+              <a:latin typeface="Arial"/>
+              <a:ea typeface="Arial"/>
+              <a:cs typeface="Arial"/>
+              <a:sym typeface="Arial"/>
+            </a:endParaRPr>
+          </a:p>
+        </p:txBody>
+      </p:sp>
+      <p:grpSp>
+        <p:nvGrpSpPr>
+          <p:cNvPr id="52" name="Group 12">
+            <a:extLst>
+              <a:ext uri="{FF2B5EF4-FFF2-40B4-BE49-F238E27FC236}">
+                <a16:creationId xmlns:a16="http://schemas.microsoft.com/office/drawing/2014/main" id="{50AC225F-9B34-89B1-B656-7B13A979E05B}"/>
+              </a:ext>
+            </a:extLst>
+          </p:cNvPr>
+          <p:cNvGrpSpPr/>
+          <p:nvPr/>
+        </p:nvGrpSpPr>
+        <p:grpSpPr>
+          <a:xfrm>
+            <a:off x="541415" y="1752493"/>
+            <a:ext cx="3626323" cy="945615"/>
+            <a:chOff x="0" y="0"/>
+            <a:chExt cx="1254602" cy="462887"/>
+          </a:xfrm>
+        </p:grpSpPr>
+        <p:sp>
+          <p:nvSpPr>
+            <p:cNvPr id="53" name="Freeform 13">
+              <a:extLst>
+                <a:ext uri="{FF2B5EF4-FFF2-40B4-BE49-F238E27FC236}">
+                  <a16:creationId xmlns:a16="http://schemas.microsoft.com/office/drawing/2014/main" id="{A53BCBEB-5D22-7928-C01B-DFF77526337E}"/>
+                </a:ext>
+              </a:extLst>
+            </p:cNvPr>
+            <p:cNvSpPr/>
+            <p:nvPr/>
+          </p:nvSpPr>
+          <p:spPr>
+            <a:xfrm>
+              <a:off x="0" y="0"/>
+              <a:ext cx="1254602" cy="462887"/>
+            </a:xfrm>
+            <a:custGeom>
+              <a:avLst/>
+              <a:gdLst/>
+              <a:ahLst/>
+              <a:cxnLst/>
+              <a:rect l="l" t="t" r="r" b="b"/>
+              <a:pathLst>
+                <a:path w="1254602" h="462887">
+                  <a:moveTo>
+                    <a:pt x="162524" y="0"/>
+                  </a:moveTo>
+                  <a:lnTo>
+                    <a:pt x="1092078" y="0"/>
+                  </a:lnTo>
+                  <a:cubicBezTo>
+                    <a:pt x="1135182" y="0"/>
+                    <a:pt x="1176521" y="17123"/>
+                    <a:pt x="1207000" y="47602"/>
+                  </a:cubicBezTo>
+                  <a:cubicBezTo>
+                    <a:pt x="1237479" y="78081"/>
+                    <a:pt x="1254602" y="119420"/>
+                    <a:pt x="1254602" y="162524"/>
+                  </a:cubicBezTo>
+                  <a:lnTo>
+                    <a:pt x="1254602" y="300364"/>
+                  </a:lnTo>
+                  <a:cubicBezTo>
+                    <a:pt x="1254602" y="343468"/>
+                    <a:pt x="1237479" y="384806"/>
+                    <a:pt x="1207000" y="415285"/>
+                  </a:cubicBezTo>
+                  <a:cubicBezTo>
+                    <a:pt x="1176521" y="445764"/>
+                    <a:pt x="1135182" y="462887"/>
+                    <a:pt x="1092078" y="462887"/>
+                  </a:cubicBezTo>
+                  <a:lnTo>
+                    <a:pt x="162524" y="462887"/>
+                  </a:lnTo>
+                  <a:cubicBezTo>
+                    <a:pt x="119420" y="462887"/>
+                    <a:pt x="78081" y="445764"/>
+                    <a:pt x="47602" y="415285"/>
+                  </a:cubicBezTo>
+                  <a:cubicBezTo>
+                    <a:pt x="17123" y="384806"/>
+                    <a:pt x="0" y="343468"/>
+                    <a:pt x="0" y="300364"/>
+                  </a:cubicBezTo>
+                  <a:lnTo>
+                    <a:pt x="0" y="162524"/>
+                  </a:lnTo>
+                  <a:cubicBezTo>
+                    <a:pt x="0" y="119420"/>
+                    <a:pt x="17123" y="78081"/>
+                    <a:pt x="47602" y="47602"/>
+                  </a:cubicBezTo>
+                  <a:cubicBezTo>
+                    <a:pt x="78081" y="17123"/>
+                    <a:pt x="119420" y="0"/>
+                    <a:pt x="162524" y="0"/>
+                  </a:cubicBezTo>
+                  <a:close/>
+                </a:path>
+              </a:pathLst>
+            </a:custGeom>
+            <a:solidFill>
+              <a:srgbClr val="FFFFFF"/>
+            </a:solidFill>
+            <a:ln cap="rnd">
+              <a:noFill/>
+              <a:prstDash val="solid"/>
+              <a:round/>
+            </a:ln>
+          </p:spPr>
+          <p:txBody>
+            <a:bodyPr/>
+            <a:lstStyle/>
+            <a:p>
+              <a:endParaRPr lang="en-AE" dirty="0"/>
+            </a:p>
+          </p:txBody>
+        </p:sp>
+        <p:sp>
+          <p:nvSpPr>
+            <p:cNvPr id="54" name="TextBox 14">
+              <a:extLst>
+                <a:ext uri="{FF2B5EF4-FFF2-40B4-BE49-F238E27FC236}">
+                  <a16:creationId xmlns:a16="http://schemas.microsoft.com/office/drawing/2014/main" id="{D150C322-3918-51CB-2F1E-51AEEE2CAF86}"/>
+                </a:ext>
+              </a:extLst>
+            </p:cNvPr>
+            <p:cNvSpPr txBox="1"/>
+            <p:nvPr/>
+          </p:nvSpPr>
+          <p:spPr>
+            <a:xfrm>
+              <a:off x="0" y="-28575"/>
+              <a:ext cx="1254602" cy="491462"/>
+            </a:xfrm>
+            <a:prstGeom prst="rect">
+              <a:avLst/>
+            </a:prstGeom>
+          </p:spPr>
+          <p:txBody>
+            <a:bodyPr lIns="50800" tIns="50800" rIns="50800" bIns="50800" rtlCol="0" anchor="ctr"/>
+            <a:lstStyle/>
+            <a:p>
+              <a:pPr algn="ctr">
+                <a:lnSpc>
+                  <a:spcPts val="2519"/>
+                </a:lnSpc>
+              </a:pPr>
+              <a:endParaRPr/>
+            </a:p>
+          </p:txBody>
+        </p:sp>
+      </p:grpSp>
+      <p:grpSp>
+        <p:nvGrpSpPr>
+          <p:cNvPr id="60" name="Group 12">
+            <a:extLst>
+              <a:ext uri="{FF2B5EF4-FFF2-40B4-BE49-F238E27FC236}">
+                <a16:creationId xmlns:a16="http://schemas.microsoft.com/office/drawing/2014/main" id="{89856D1D-8184-D89F-6F27-A17904265AB1}"/>
+              </a:ext>
+            </a:extLst>
+          </p:cNvPr>
+          <p:cNvGrpSpPr/>
+          <p:nvPr/>
+        </p:nvGrpSpPr>
+        <p:grpSpPr>
+          <a:xfrm>
+            <a:off x="541415" y="2831101"/>
+            <a:ext cx="3626323" cy="945615"/>
+            <a:chOff x="0" y="0"/>
+            <a:chExt cx="1254602" cy="462887"/>
+          </a:xfrm>
+        </p:grpSpPr>
+        <p:sp>
+          <p:nvSpPr>
+            <p:cNvPr id="61" name="Freeform 13">
+              <a:extLst>
+                <a:ext uri="{FF2B5EF4-FFF2-40B4-BE49-F238E27FC236}">
+                  <a16:creationId xmlns:a16="http://schemas.microsoft.com/office/drawing/2014/main" id="{072D20BE-7187-8E7F-8FDA-16C4C7324FB7}"/>
+                </a:ext>
+              </a:extLst>
+            </p:cNvPr>
+            <p:cNvSpPr/>
+            <p:nvPr/>
+          </p:nvSpPr>
+          <p:spPr>
+            <a:xfrm>
+              <a:off x="0" y="0"/>
+              <a:ext cx="1254602" cy="462887"/>
+            </a:xfrm>
+            <a:custGeom>
+              <a:avLst/>
+              <a:gdLst/>
+              <a:ahLst/>
+              <a:cxnLst/>
+              <a:rect l="l" t="t" r="r" b="b"/>
+              <a:pathLst>
+                <a:path w="1254602" h="462887">
+                  <a:moveTo>
+                    <a:pt x="162524" y="0"/>
+                  </a:moveTo>
+                  <a:lnTo>
+                    <a:pt x="1092078" y="0"/>
+                  </a:lnTo>
+                  <a:cubicBezTo>
+                    <a:pt x="1135182" y="0"/>
+                    <a:pt x="1176521" y="17123"/>
+                    <a:pt x="1207000" y="47602"/>
+                  </a:cubicBezTo>
+                  <a:cubicBezTo>
+                    <a:pt x="1237479" y="78081"/>
+                    <a:pt x="1254602" y="119420"/>
+                    <a:pt x="1254602" y="162524"/>
+                  </a:cubicBezTo>
+                  <a:lnTo>
+                    <a:pt x="1254602" y="300364"/>
+                  </a:lnTo>
+                  <a:cubicBezTo>
+                    <a:pt x="1254602" y="343468"/>
+                    <a:pt x="1237479" y="384806"/>
+                    <a:pt x="1207000" y="415285"/>
+                  </a:cubicBezTo>
+                  <a:cubicBezTo>
+                    <a:pt x="1176521" y="445764"/>
+                    <a:pt x="1135182" y="462887"/>
+                    <a:pt x="1092078" y="462887"/>
+                  </a:cubicBezTo>
+                  <a:lnTo>
+                    <a:pt x="162524" y="462887"/>
+                  </a:lnTo>
+                  <a:cubicBezTo>
+                    <a:pt x="119420" y="462887"/>
+                    <a:pt x="78081" y="445764"/>
+                    <a:pt x="47602" y="415285"/>
+                  </a:cubicBezTo>
+                  <a:cubicBezTo>
+                    <a:pt x="17123" y="384806"/>
+                    <a:pt x="0" y="343468"/>
+                    <a:pt x="0" y="300364"/>
+                  </a:cubicBezTo>
+                  <a:lnTo>
+                    <a:pt x="0" y="162524"/>
+                  </a:lnTo>
+                  <a:cubicBezTo>
+                    <a:pt x="0" y="119420"/>
+                    <a:pt x="17123" y="78081"/>
+                    <a:pt x="47602" y="47602"/>
+                  </a:cubicBezTo>
+                  <a:cubicBezTo>
+                    <a:pt x="78081" y="17123"/>
+                    <a:pt x="119420" y="0"/>
+                    <a:pt x="162524" y="0"/>
+                  </a:cubicBezTo>
+                  <a:close/>
+                </a:path>
+              </a:pathLst>
+            </a:custGeom>
+            <a:solidFill>
+              <a:srgbClr val="FFFFFF"/>
+            </a:solidFill>
+            <a:ln cap="rnd">
+              <a:noFill/>
+              <a:prstDash val="solid"/>
+              <a:round/>
+            </a:ln>
+          </p:spPr>
+          <p:txBody>
+            <a:bodyPr/>
+            <a:lstStyle/>
+            <a:p>
+              <a:endParaRPr lang="en-AE"/>
+            </a:p>
+          </p:txBody>
+        </p:sp>
+        <p:sp>
+          <p:nvSpPr>
+            <p:cNvPr id="62" name="TextBox 14">
+              <a:extLst>
+                <a:ext uri="{FF2B5EF4-FFF2-40B4-BE49-F238E27FC236}">
+                  <a16:creationId xmlns:a16="http://schemas.microsoft.com/office/drawing/2014/main" id="{64EC297B-8F78-B12B-DF67-C1807DD14C5B}"/>
+                </a:ext>
+              </a:extLst>
+            </p:cNvPr>
+            <p:cNvSpPr txBox="1"/>
+            <p:nvPr/>
+          </p:nvSpPr>
+          <p:spPr>
+            <a:xfrm>
+              <a:off x="0" y="-28575"/>
+              <a:ext cx="1254602" cy="491462"/>
+            </a:xfrm>
+            <a:prstGeom prst="rect">
+              <a:avLst/>
+            </a:prstGeom>
+          </p:spPr>
+          <p:txBody>
+            <a:bodyPr lIns="50800" tIns="50800" rIns="50800" bIns="50800" rtlCol="0" anchor="ctr"/>
+            <a:lstStyle/>
+            <a:p>
+              <a:pPr algn="ctr">
+                <a:lnSpc>
+                  <a:spcPts val="2519"/>
+                </a:lnSpc>
+              </a:pPr>
+              <a:endParaRPr/>
+            </a:p>
+          </p:txBody>
+        </p:sp>
+      </p:grpSp>
+      <p:grpSp>
+        <p:nvGrpSpPr>
+          <p:cNvPr id="64" name="Group 12">
+            <a:extLst>
+              <a:ext uri="{FF2B5EF4-FFF2-40B4-BE49-F238E27FC236}">
+                <a16:creationId xmlns:a16="http://schemas.microsoft.com/office/drawing/2014/main" id="{97464EC8-934C-778D-5354-A992CB704F7F}"/>
+              </a:ext>
+            </a:extLst>
+          </p:cNvPr>
+          <p:cNvGrpSpPr/>
+          <p:nvPr/>
+        </p:nvGrpSpPr>
+        <p:grpSpPr>
+          <a:xfrm>
+            <a:off x="541415" y="3909709"/>
+            <a:ext cx="3626324" cy="945615"/>
+            <a:chOff x="0" y="0"/>
+            <a:chExt cx="1254602" cy="462887"/>
+          </a:xfrm>
+        </p:grpSpPr>
+        <p:sp>
+          <p:nvSpPr>
+            <p:cNvPr id="65" name="Freeform 13">
+              <a:extLst>
+                <a:ext uri="{FF2B5EF4-FFF2-40B4-BE49-F238E27FC236}">
+                  <a16:creationId xmlns:a16="http://schemas.microsoft.com/office/drawing/2014/main" id="{316F9DB5-C0D3-A4FB-B773-C3C84C153B33}"/>
+                </a:ext>
+              </a:extLst>
+            </p:cNvPr>
+            <p:cNvSpPr/>
+            <p:nvPr/>
+          </p:nvSpPr>
+          <p:spPr>
+            <a:xfrm>
+              <a:off x="0" y="0"/>
+              <a:ext cx="1254602" cy="462887"/>
+            </a:xfrm>
+            <a:custGeom>
+              <a:avLst/>
+              <a:gdLst/>
+              <a:ahLst/>
+              <a:cxnLst/>
+              <a:rect l="l" t="t" r="r" b="b"/>
+              <a:pathLst>
+                <a:path w="1254602" h="462887">
+                  <a:moveTo>
+                    <a:pt x="162524" y="0"/>
+                  </a:moveTo>
+                  <a:lnTo>
+                    <a:pt x="1092078" y="0"/>
+                  </a:lnTo>
+                  <a:cubicBezTo>
+                    <a:pt x="1135182" y="0"/>
+                    <a:pt x="1176521" y="17123"/>
+                    <a:pt x="1207000" y="47602"/>
+                  </a:cubicBezTo>
+                  <a:cubicBezTo>
+                    <a:pt x="1237479" y="78081"/>
+                    <a:pt x="1254602" y="119420"/>
+                    <a:pt x="1254602" y="162524"/>
+                  </a:cubicBezTo>
+                  <a:lnTo>
+                    <a:pt x="1254602" y="300364"/>
+                  </a:lnTo>
+                  <a:cubicBezTo>
+                    <a:pt x="1254602" y="343468"/>
+                    <a:pt x="1237479" y="384806"/>
+                    <a:pt x="1207000" y="415285"/>
+                  </a:cubicBezTo>
+                  <a:cubicBezTo>
+                    <a:pt x="1176521" y="445764"/>
+                    <a:pt x="1135182" y="462887"/>
+                    <a:pt x="1092078" y="462887"/>
+                  </a:cubicBezTo>
+                  <a:lnTo>
+                    <a:pt x="162524" y="462887"/>
+                  </a:lnTo>
+                  <a:cubicBezTo>
+                    <a:pt x="119420" y="462887"/>
+                    <a:pt x="78081" y="445764"/>
+                    <a:pt x="47602" y="415285"/>
+                  </a:cubicBezTo>
+                  <a:cubicBezTo>
+                    <a:pt x="17123" y="384806"/>
+                    <a:pt x="0" y="343468"/>
+                    <a:pt x="0" y="300364"/>
+                  </a:cubicBezTo>
+                  <a:lnTo>
+                    <a:pt x="0" y="162524"/>
+                  </a:lnTo>
+                  <a:cubicBezTo>
+                    <a:pt x="0" y="119420"/>
+                    <a:pt x="17123" y="78081"/>
+                    <a:pt x="47602" y="47602"/>
+                  </a:cubicBezTo>
+                  <a:cubicBezTo>
+                    <a:pt x="78081" y="17123"/>
+                    <a:pt x="119420" y="0"/>
+                    <a:pt x="162524" y="0"/>
+                  </a:cubicBezTo>
+                  <a:close/>
+                </a:path>
+              </a:pathLst>
+            </a:custGeom>
+            <a:solidFill>
+              <a:srgbClr val="FFFFFF"/>
+            </a:solidFill>
+            <a:ln cap="rnd">
+              <a:noFill/>
+              <a:prstDash val="solid"/>
+              <a:round/>
+            </a:ln>
+          </p:spPr>
+          <p:txBody>
+            <a:bodyPr/>
+            <a:lstStyle/>
+            <a:p>
+              <a:endParaRPr lang="en-AE"/>
+            </a:p>
+          </p:txBody>
+        </p:sp>
+        <p:sp>
+          <p:nvSpPr>
+            <p:cNvPr id="66" name="TextBox 14">
+              <a:extLst>
+                <a:ext uri="{FF2B5EF4-FFF2-40B4-BE49-F238E27FC236}">
+                  <a16:creationId xmlns:a16="http://schemas.microsoft.com/office/drawing/2014/main" id="{0A97B9C7-2916-03E9-40B1-F2402C449830}"/>
+                </a:ext>
+              </a:extLst>
+            </p:cNvPr>
+            <p:cNvSpPr txBox="1"/>
+            <p:nvPr/>
+          </p:nvSpPr>
+          <p:spPr>
+            <a:xfrm>
+              <a:off x="0" y="-28575"/>
+              <a:ext cx="1254602" cy="491462"/>
+            </a:xfrm>
+            <a:prstGeom prst="rect">
+              <a:avLst/>
+            </a:prstGeom>
+          </p:spPr>
+          <p:txBody>
+            <a:bodyPr lIns="50800" tIns="50800" rIns="50800" bIns="50800" rtlCol="0" anchor="ctr"/>
+            <a:lstStyle/>
+            <a:p>
+              <a:pPr algn="ctr">
+                <a:lnSpc>
+                  <a:spcPts val="2519"/>
+                </a:lnSpc>
+              </a:pPr>
+              <a:endParaRPr/>
+            </a:p>
+          </p:txBody>
+        </p:sp>
+      </p:grpSp>
+      <p:sp>
+        <p:nvSpPr>
+          <p:cNvPr id="109" name="TextBox 43">
+            <a:extLst>
+              <a:ext uri="{FF2B5EF4-FFF2-40B4-BE49-F238E27FC236}">
+                <a16:creationId xmlns:a16="http://schemas.microsoft.com/office/drawing/2014/main" id="{493EF42C-BA70-F9A1-F168-2A71825A3DDB}"/>
+              </a:ext>
+            </a:extLst>
+          </p:cNvPr>
+          <p:cNvSpPr txBox="1"/>
+          <p:nvPr/>
+        </p:nvSpPr>
+        <p:spPr>
+          <a:xfrm>
+            <a:off x="1265079" y="2171132"/>
+            <a:ext cx="2675153" cy="166712"/>
+          </a:xfrm>
+          <a:prstGeom prst="rect">
+            <a:avLst/>
+          </a:prstGeom>
+        </p:spPr>
+        <p:txBody>
+          <a:bodyPr wrap="square" lIns="0" tIns="0" rIns="0" bIns="0" rtlCol="0" anchor="t">
+            <a:spAutoFit/>
+          </a:bodyPr>
+          <a:lstStyle/>
+          <a:p>
+            <a:pPr>
+              <a:lnSpc>
+                <a:spcPts val="1260"/>
+              </a:lnSpc>
+              <a:spcBef>
+                <a:spcPct val="0"/>
+              </a:spcBef>
+            </a:pPr>
+            <a:r>
+              <a:rPr lang="en-US" sz="1200" dirty="0">
+                <a:latin typeface="Ubuntu" panose="020B0504030602030204" pitchFamily="34" charset="0"/>
+              </a:rPr>
+              <a:t>Database Schema Refactoring</a:t>
+            </a:r>
+            <a:endParaRPr lang="en-US" sz="1200" dirty="0">
+              <a:latin typeface="Ubuntu" panose="020B0504030602030204" pitchFamily="34" charset="0"/>
+              <a:sym typeface="Open Sans Bold"/>
+            </a:endParaRPr>
+          </a:p>
+        </p:txBody>
+      </p:sp>
+      <p:sp>
+        <p:nvSpPr>
+          <p:cNvPr id="111" name="TextBox 43">
+            <a:extLst>
+              <a:ext uri="{FF2B5EF4-FFF2-40B4-BE49-F238E27FC236}">
+                <a16:creationId xmlns:a16="http://schemas.microsoft.com/office/drawing/2014/main" id="{1F8A633B-1078-8219-D085-4E73D5A4ECE3}"/>
+              </a:ext>
+            </a:extLst>
+          </p:cNvPr>
+          <p:cNvSpPr txBox="1"/>
+          <p:nvPr/>
+        </p:nvSpPr>
+        <p:spPr>
+          <a:xfrm>
+            <a:off x="1265078" y="3220552"/>
+            <a:ext cx="2623400" cy="166712"/>
+          </a:xfrm>
+          <a:prstGeom prst="rect">
+            <a:avLst/>
+          </a:prstGeom>
+        </p:spPr>
+        <p:txBody>
+          <a:bodyPr wrap="square" lIns="0" tIns="0" rIns="0" bIns="0" rtlCol="0" anchor="t">
+            <a:spAutoFit/>
+          </a:bodyPr>
+          <a:lstStyle/>
+          <a:p>
+            <a:pPr>
+              <a:lnSpc>
+                <a:spcPts val="1260"/>
+              </a:lnSpc>
+              <a:spcBef>
+                <a:spcPct val="0"/>
+              </a:spcBef>
+            </a:pPr>
+            <a:r>
+              <a:rPr lang="en-US" sz="1200" dirty="0">
+                <a:latin typeface="Ubuntu" panose="020B0504030602030204" pitchFamily="34" charset="0"/>
+                <a:ea typeface="Open Sans Bold"/>
+                <a:cs typeface="Open Sans Bold"/>
+                <a:sym typeface="Open Sans Bold"/>
+              </a:rPr>
+              <a:t>System Deployment Limitations</a:t>
+            </a:r>
+          </a:p>
+        </p:txBody>
+      </p:sp>
+      <p:sp>
+        <p:nvSpPr>
+          <p:cNvPr id="4" name="TextBox 43">
+            <a:extLst>
+              <a:ext uri="{FF2B5EF4-FFF2-40B4-BE49-F238E27FC236}">
+                <a16:creationId xmlns:a16="http://schemas.microsoft.com/office/drawing/2014/main" id="{33A93233-C3BF-629A-8DEE-FF8626237418}"/>
+              </a:ext>
+            </a:extLst>
+          </p:cNvPr>
+          <p:cNvSpPr txBox="1"/>
+          <p:nvPr/>
+        </p:nvSpPr>
+        <p:spPr>
+          <a:xfrm>
+            <a:off x="1265078" y="4277379"/>
+            <a:ext cx="2675153" cy="166712"/>
+          </a:xfrm>
+          <a:prstGeom prst="rect">
+            <a:avLst/>
+          </a:prstGeom>
+        </p:spPr>
+        <p:txBody>
+          <a:bodyPr wrap="square" lIns="0" tIns="0" rIns="0" bIns="0" rtlCol="0" anchor="t">
+            <a:spAutoFit/>
+          </a:bodyPr>
+          <a:lstStyle/>
+          <a:p>
+            <a:pPr>
+              <a:lnSpc>
+                <a:spcPts val="1260"/>
+              </a:lnSpc>
+              <a:spcBef>
+                <a:spcPct val="0"/>
+              </a:spcBef>
+            </a:pPr>
+            <a:r>
+              <a:rPr lang="en-US" sz="1200" dirty="0">
+                <a:latin typeface="Ubuntu" panose="020B0504030602030204" pitchFamily="34" charset="0"/>
+                <a:ea typeface="Open Sans Bold"/>
+                <a:cs typeface="Open Sans Bold"/>
+                <a:sym typeface="Open Sans Bold"/>
+              </a:rPr>
+              <a:t>Designing Effective User Workflows</a:t>
+            </a:r>
+          </a:p>
+        </p:txBody>
+      </p:sp>
+      <p:pic>
+        <p:nvPicPr>
+          <p:cNvPr id="2050" name="Picture 2" descr="Challenge - Free business and finance icons">
+            <a:extLst>
+              <a:ext uri="{FF2B5EF4-FFF2-40B4-BE49-F238E27FC236}">
+                <a16:creationId xmlns:a16="http://schemas.microsoft.com/office/drawing/2014/main" id="{E6BA962D-3949-D3B2-32A1-5401837F76E8}"/>
+              </a:ext>
+            </a:extLst>
+          </p:cNvPr>
+          <p:cNvPicPr>
+            <a:picLocks noChangeAspect="1" noChangeArrowheads="1"/>
+          </p:cNvPicPr>
+          <p:nvPr/>
+        </p:nvPicPr>
+        <p:blipFill>
+          <a:blip r:embed="rId3">
+            <a:extLst>
+              <a:ext uri="{28A0092B-C50C-407E-A947-70E740481C1C}">
+                <a14:useLocalDpi xmlns:a14="http://schemas.microsoft.com/office/drawing/2010/main" val="0"/>
+              </a:ext>
+            </a:extLst>
+          </a:blip>
+          <a:srcRect/>
+          <a:stretch>
+            <a:fillRect/>
+          </a:stretch>
+        </p:blipFill>
+        <p:spPr bwMode="auto">
+          <a:xfrm>
+            <a:off x="680964" y="2003016"/>
+            <a:ext cx="444567" cy="444567"/>
+          </a:xfrm>
+          <a:prstGeom prst="rect">
+            <a:avLst/>
+          </a:prstGeom>
+          <a:noFill/>
+          <a:extLst>
+            <a:ext uri="{909E8E84-426E-40DD-AFC4-6F175D3DCCD1}">
+              <a14:hiddenFill xmlns:a14="http://schemas.microsoft.com/office/drawing/2010/main">
+                <a:solidFill>
+                  <a:srgbClr val="FFFFFF"/>
+                </a:solidFill>
+              </a14:hiddenFill>
+            </a:ext>
+          </a:extLst>
+        </p:spPr>
+      </p:pic>
+      <p:pic>
+        <p:nvPicPr>
+          <p:cNvPr id="10" name="Picture 2" descr="Challenge - Free business and finance icons">
+            <a:extLst>
+              <a:ext uri="{FF2B5EF4-FFF2-40B4-BE49-F238E27FC236}">
+                <a16:creationId xmlns:a16="http://schemas.microsoft.com/office/drawing/2014/main" id="{EFC703F3-1783-53AB-BDAA-F4D63C140015}"/>
+              </a:ext>
+            </a:extLst>
+          </p:cNvPr>
+          <p:cNvPicPr>
+            <a:picLocks noChangeAspect="1" noChangeArrowheads="1"/>
+          </p:cNvPicPr>
+          <p:nvPr/>
+        </p:nvPicPr>
+        <p:blipFill>
+          <a:blip r:embed="rId3">
+            <a:extLst>
+              <a:ext uri="{28A0092B-C50C-407E-A947-70E740481C1C}">
+                <a14:useLocalDpi xmlns:a14="http://schemas.microsoft.com/office/drawing/2010/main" val="0"/>
+              </a:ext>
+            </a:extLst>
+          </a:blip>
+          <a:srcRect/>
+          <a:stretch>
+            <a:fillRect/>
+          </a:stretch>
+        </p:blipFill>
+        <p:spPr bwMode="auto">
+          <a:xfrm>
+            <a:off x="680964" y="3081624"/>
+            <a:ext cx="444567" cy="444567"/>
+          </a:xfrm>
+          <a:prstGeom prst="rect">
+            <a:avLst/>
+          </a:prstGeom>
+          <a:noFill/>
+          <a:extLst>
+            <a:ext uri="{909E8E84-426E-40DD-AFC4-6F175D3DCCD1}">
+              <a14:hiddenFill xmlns:a14="http://schemas.microsoft.com/office/drawing/2010/main">
+                <a:solidFill>
+                  <a:srgbClr val="FFFFFF"/>
+                </a:solidFill>
+              </a14:hiddenFill>
+            </a:ext>
+          </a:extLst>
+        </p:spPr>
+      </p:pic>
+      <p:pic>
+        <p:nvPicPr>
+          <p:cNvPr id="11" name="Picture 2" descr="Challenge - Free business and finance icons">
+            <a:extLst>
+              <a:ext uri="{FF2B5EF4-FFF2-40B4-BE49-F238E27FC236}">
+                <a16:creationId xmlns:a16="http://schemas.microsoft.com/office/drawing/2014/main" id="{B6B4E46F-8F66-D2D8-BB4C-92ACD1A8B707}"/>
+              </a:ext>
+            </a:extLst>
+          </p:cNvPr>
+          <p:cNvPicPr>
+            <a:picLocks noChangeAspect="1" noChangeArrowheads="1"/>
+          </p:cNvPicPr>
+          <p:nvPr/>
+        </p:nvPicPr>
+        <p:blipFill>
+          <a:blip r:embed="rId3">
+            <a:extLst>
+              <a:ext uri="{28A0092B-C50C-407E-A947-70E740481C1C}">
+                <a14:useLocalDpi xmlns:a14="http://schemas.microsoft.com/office/drawing/2010/main" val="0"/>
+              </a:ext>
+            </a:extLst>
+          </a:blip>
+          <a:srcRect/>
+          <a:stretch>
+            <a:fillRect/>
+          </a:stretch>
+        </p:blipFill>
+        <p:spPr bwMode="auto">
+          <a:xfrm>
+            <a:off x="680964" y="4131045"/>
+            <a:ext cx="444567" cy="444567"/>
+          </a:xfrm>
+          <a:prstGeom prst="rect">
+            <a:avLst/>
+          </a:prstGeom>
+          <a:noFill/>
+          <a:extLst>
+            <a:ext uri="{909E8E84-426E-40DD-AFC4-6F175D3DCCD1}">
+              <a14:hiddenFill xmlns:a14="http://schemas.microsoft.com/office/drawing/2010/main">
+                <a:solidFill>
+                  <a:srgbClr val="FFFFFF"/>
+                </a:solidFill>
+              </a14:hiddenFill>
+            </a:ext>
+          </a:extLst>
+        </p:spPr>
+      </p:pic>
+      <p:pic>
+        <p:nvPicPr>
+          <p:cNvPr id="2054" name="Picture 6" descr="443,000+ Risk Stock Illustrations, Royalty-Free Vector Graphics &amp; Clip Art  - iStock | Business risk, Risk icon, Financial risk">
+            <a:extLst>
+              <a:ext uri="{FF2B5EF4-FFF2-40B4-BE49-F238E27FC236}">
+                <a16:creationId xmlns:a16="http://schemas.microsoft.com/office/drawing/2014/main" id="{1C67E971-FC4F-2997-CE97-C55E11121BFD}"/>
+              </a:ext>
+            </a:extLst>
+          </p:cNvPr>
+          <p:cNvPicPr>
+            <a:picLocks noChangeAspect="1" noChangeArrowheads="1"/>
+          </p:cNvPicPr>
+          <p:nvPr/>
+        </p:nvPicPr>
+        <p:blipFill>
+          <a:blip r:embed="rId4">
+            <a:extLst>
+              <a:ext uri="{28A0092B-C50C-407E-A947-70E740481C1C}">
+                <a14:useLocalDpi xmlns:a14="http://schemas.microsoft.com/office/drawing/2010/main" val="0"/>
+              </a:ext>
+            </a:extLst>
+          </a:blip>
+          <a:srcRect/>
+          <a:stretch>
+            <a:fillRect/>
+          </a:stretch>
+        </p:blipFill>
+        <p:spPr bwMode="auto">
+          <a:xfrm>
+            <a:off x="5113120" y="2188603"/>
+            <a:ext cx="3164606" cy="2109737"/>
+          </a:xfrm>
+          <a:prstGeom prst="rect">
+            <a:avLst/>
+          </a:prstGeom>
+          <a:solidFill>
+            <a:srgbClr val="FFFFFF">
+              <a:shade val="85000"/>
+            </a:srgbClr>
+          </a:solidFill>
+          <a:ln w="190500" cap="rnd">
+            <a:solidFill>
+              <a:srgbClr val="FFFFFF"/>
+            </a:solidFill>
+          </a:ln>
+          <a:effectLst>
+            <a:outerShdw blurRad="36195" dist="12700" dir="11400000" algn="tl" rotWithShape="0">
+              <a:srgbClr val="000000">
+                <a:alpha val="33000"/>
+              </a:srgbClr>
+            </a:outerShdw>
+          </a:effectLst>
+          <a:scene3d>
+            <a:camera prst="perspectiveContrastingLeftFacing">
+              <a:rot lat="420000" lon="1320000" rev="0"/>
+            </a:camera>
+            <a:lightRig rig="soft" dir="t"/>
+          </a:scene3d>
+          <a:sp3d contourW="12700" prstMaterial="matte">
+            <a:bevelT w="63500" h="50800"/>
+            <a:contourClr>
+              <a:srgbClr val="C0C0C0"/>
+            </a:contourClr>
+          </a:sp3d>
+          <a:extLst>
+            <a:ext uri="{909E8E84-426E-40DD-AFC4-6F175D3DCCD1}">
+              <a14:hiddenFill xmlns:a14="http://schemas.microsoft.com/office/drawing/2010/main">
+                <a:solidFill>
+                  <a:srgbClr val="FFFFFF"/>
+                </a:solidFill>
+              </a14:hiddenFill>
+            </a:ext>
+          </a:extLst>
+        </p:spPr>
+      </p:pic>
+    </p:spTree>
+    <p:extLst>
+      <p:ext uri="{BB962C8B-B14F-4D97-AF65-F5344CB8AC3E}">
+        <p14:creationId xmlns:p14="http://schemas.microsoft.com/office/powerpoint/2010/main" val="3071821129"/>
+      </p:ext>
+    </p:extLst>
+  </p:cSld>
+  <p:clrMapOvr>
+    <a:masterClrMapping/>
+  </p:clrMapOvr>
+</p:sld>
+</file>
+
+<file path=ppt/slides/slide21.xml><?xml version="1.0" encoding="utf-8"?>
+<p:sld xmlns:a="http://schemas.openxmlformats.org/drawingml/2006/main" xmlns:r="http://schemas.openxmlformats.org/officeDocument/2006/relationships" xmlns:p="http://schemas.openxmlformats.org/presentationml/2006/main">
+  <p:cSld>
+    <p:spTree>
+      <p:nvGrpSpPr>
+        <p:cNvPr id="1" name="">
+          <a:extLst>
+            <a:ext uri="{FF2B5EF4-FFF2-40B4-BE49-F238E27FC236}">
+              <a16:creationId xmlns:a16="http://schemas.microsoft.com/office/drawing/2014/main" id="{388DD5B7-D813-CD2A-0078-81F67613F29C}"/>
+            </a:ext>
+          </a:extLst>
+        </p:cNvPr>
+        <p:cNvGrpSpPr/>
+        <p:nvPr/>
+      </p:nvGrpSpPr>
+      <p:grpSpPr>
+        <a:xfrm>
+          <a:off x="0" y="0"/>
+          <a:ext cx="0" cy="0"/>
+          <a:chOff x="0" y="0"/>
+          <a:chExt cx="0" cy="0"/>
+        </a:xfrm>
+      </p:grpSpPr>
+      <p:sp>
+        <p:nvSpPr>
+          <p:cNvPr id="3" name="Google Shape;94;p14">
+            <a:extLst>
+              <a:ext uri="{FF2B5EF4-FFF2-40B4-BE49-F238E27FC236}">
+                <a16:creationId xmlns:a16="http://schemas.microsoft.com/office/drawing/2014/main" id="{E0257D45-6F96-DDEA-67E4-082D4204ACB2}"/>
+              </a:ext>
+            </a:extLst>
+          </p:cNvPr>
+          <p:cNvSpPr txBox="1">
+            <a:spLocks/>
+          </p:cNvSpPr>
+          <p:nvPr/>
+        </p:nvSpPr>
+        <p:spPr>
+          <a:xfrm>
+            <a:off x="3027886" y="2289600"/>
+            <a:ext cx="2439264" cy="564300"/>
+          </a:xfrm>
+          <a:prstGeom prst="rect">
+            <a:avLst/>
+          </a:prstGeom>
+          <a:noFill/>
+          <a:ln>
+            <a:noFill/>
+          </a:ln>
+        </p:spPr>
+        <p:txBody>
+          <a:bodyPr spcFirstLastPara="1" wrap="square" lIns="91425" tIns="91425" rIns="91425" bIns="91425" anchor="ctr" anchorCtr="0">
+            <a:noAutofit/>
+          </a:bodyPr>
+          <a:lstStyle>
+            <a:defPPr marR="0" lvl="0" algn="l" rtl="0">
+              <a:lnSpc>
+                <a:spcPct val="100000"/>
+              </a:lnSpc>
+              <a:spcBef>
+                <a:spcPts val="0"/>
+              </a:spcBef>
+              <a:spcAft>
+                <a:spcPts val="0"/>
+              </a:spcAft>
+            </a:defPPr>
+            <a:lvl1pPr marR="0" lvl="0" algn="l" rtl="0">
+              <a:lnSpc>
+                <a:spcPct val="100000"/>
+              </a:lnSpc>
+              <a:spcBef>
+                <a:spcPts val="0"/>
+              </a:spcBef>
+              <a:spcAft>
+                <a:spcPts val="0"/>
+              </a:spcAft>
+              <a:buClr>
+                <a:srgbClr val="000000"/>
+              </a:buClr>
+              <a:buFont typeface="Arial"/>
+              <a:defRPr sz="1400" b="0" i="0" u="none" strike="noStrike" cap="none">
+                <a:solidFill>
+                  <a:srgbClr val="000000"/>
+                </a:solidFill>
+                <a:latin typeface="Arial"/>
+                <a:ea typeface="Arial"/>
+                <a:cs typeface="Arial"/>
+                <a:sym typeface="Arial"/>
+              </a:defRPr>
+            </a:lvl1pPr>
+            <a:lvl2pPr marR="0" lvl="1" algn="l" rtl="0">
+              <a:lnSpc>
+                <a:spcPct val="100000"/>
+              </a:lnSpc>
+              <a:spcBef>
+                <a:spcPts val="0"/>
+              </a:spcBef>
+              <a:spcAft>
+                <a:spcPts val="0"/>
+              </a:spcAft>
+              <a:buClr>
+                <a:srgbClr val="000000"/>
+              </a:buClr>
+              <a:buFont typeface="Arial"/>
+              <a:defRPr sz="1400" b="0" i="0" u="none" strike="noStrike" cap="none">
+                <a:solidFill>
+                  <a:srgbClr val="000000"/>
+                </a:solidFill>
+                <a:latin typeface="Arial"/>
+                <a:ea typeface="Arial"/>
+                <a:cs typeface="Arial"/>
+                <a:sym typeface="Arial"/>
+              </a:defRPr>
+            </a:lvl2pPr>
+            <a:lvl3pPr marR="0" lvl="2" algn="l" rtl="0">
+              <a:lnSpc>
+                <a:spcPct val="100000"/>
+              </a:lnSpc>
+              <a:spcBef>
+                <a:spcPts val="0"/>
+              </a:spcBef>
+              <a:spcAft>
+                <a:spcPts val="0"/>
+              </a:spcAft>
+              <a:buClr>
+                <a:srgbClr val="000000"/>
+              </a:buClr>
+              <a:buFont typeface="Arial"/>
+              <a:defRPr sz="1400" b="0" i="0" u="none" strike="noStrike" cap="none">
+                <a:solidFill>
+                  <a:srgbClr val="000000"/>
+                </a:solidFill>
+                <a:latin typeface="Arial"/>
+                <a:ea typeface="Arial"/>
+                <a:cs typeface="Arial"/>
+                <a:sym typeface="Arial"/>
+              </a:defRPr>
+            </a:lvl3pPr>
+            <a:lvl4pPr marR="0" lvl="3" algn="l" rtl="0">
+              <a:lnSpc>
+                <a:spcPct val="100000"/>
+              </a:lnSpc>
+              <a:spcBef>
+                <a:spcPts val="0"/>
+              </a:spcBef>
+              <a:spcAft>
+                <a:spcPts val="0"/>
+              </a:spcAft>
+              <a:buClr>
+                <a:srgbClr val="000000"/>
+              </a:buClr>
+              <a:buFont typeface="Arial"/>
+              <a:defRPr sz="1400" b="0" i="0" u="none" strike="noStrike" cap="none">
+                <a:solidFill>
+                  <a:srgbClr val="000000"/>
+                </a:solidFill>
+                <a:latin typeface="Arial"/>
+                <a:ea typeface="Arial"/>
+                <a:cs typeface="Arial"/>
+                <a:sym typeface="Arial"/>
+              </a:defRPr>
+            </a:lvl4pPr>
+            <a:lvl5pPr marR="0" lvl="4" algn="l" rtl="0">
+              <a:lnSpc>
+                <a:spcPct val="100000"/>
+              </a:lnSpc>
+              <a:spcBef>
+                <a:spcPts val="0"/>
+              </a:spcBef>
+              <a:spcAft>
+                <a:spcPts val="0"/>
+              </a:spcAft>
+              <a:buClr>
+                <a:srgbClr val="000000"/>
+              </a:buClr>
+              <a:buFont typeface="Arial"/>
+              <a:defRPr sz="1400" b="0" i="0" u="none" strike="noStrike" cap="none">
+                <a:solidFill>
+                  <a:srgbClr val="000000"/>
+                </a:solidFill>
+                <a:latin typeface="Arial"/>
+                <a:ea typeface="Arial"/>
+                <a:cs typeface="Arial"/>
+                <a:sym typeface="Arial"/>
+              </a:defRPr>
+            </a:lvl5pPr>
+            <a:lvl6pPr marR="0" lvl="5" algn="l" rtl="0">
+              <a:lnSpc>
+                <a:spcPct val="100000"/>
+              </a:lnSpc>
+              <a:spcBef>
+                <a:spcPts val="0"/>
+              </a:spcBef>
+              <a:spcAft>
+                <a:spcPts val="0"/>
+              </a:spcAft>
+              <a:buClr>
+                <a:srgbClr val="000000"/>
+              </a:buClr>
+              <a:buFont typeface="Arial"/>
+              <a:defRPr sz="1400" b="0" i="0" u="none" strike="noStrike" cap="none">
+                <a:solidFill>
+                  <a:srgbClr val="000000"/>
+                </a:solidFill>
+                <a:latin typeface="Arial"/>
+                <a:ea typeface="Arial"/>
+                <a:cs typeface="Arial"/>
+                <a:sym typeface="Arial"/>
+              </a:defRPr>
+            </a:lvl6pPr>
+            <a:lvl7pPr marR="0" lvl="6" algn="l" rtl="0">
+              <a:lnSpc>
+                <a:spcPct val="100000"/>
+              </a:lnSpc>
+              <a:spcBef>
+                <a:spcPts val="0"/>
+              </a:spcBef>
+              <a:spcAft>
+                <a:spcPts val="0"/>
+              </a:spcAft>
+              <a:buClr>
+                <a:srgbClr val="000000"/>
+              </a:buClr>
+              <a:buFont typeface="Arial"/>
+              <a:defRPr sz="1400" b="0" i="0" u="none" strike="noStrike" cap="none">
+                <a:solidFill>
+                  <a:srgbClr val="000000"/>
+                </a:solidFill>
+                <a:latin typeface="Arial"/>
+                <a:ea typeface="Arial"/>
+                <a:cs typeface="Arial"/>
+                <a:sym typeface="Arial"/>
+              </a:defRPr>
+            </a:lvl7pPr>
+            <a:lvl8pPr marR="0" lvl="7" algn="l" rtl="0">
+              <a:lnSpc>
+                <a:spcPct val="100000"/>
+              </a:lnSpc>
+              <a:spcBef>
+                <a:spcPts val="0"/>
+              </a:spcBef>
+              <a:spcAft>
+                <a:spcPts val="0"/>
+              </a:spcAft>
+              <a:buClr>
+                <a:srgbClr val="000000"/>
+              </a:buClr>
+              <a:buFont typeface="Arial"/>
+              <a:defRPr sz="1400" b="0" i="0" u="none" strike="noStrike" cap="none">
+                <a:solidFill>
+                  <a:srgbClr val="000000"/>
+                </a:solidFill>
+                <a:latin typeface="Arial"/>
+                <a:ea typeface="Arial"/>
+                <a:cs typeface="Arial"/>
+                <a:sym typeface="Arial"/>
+              </a:defRPr>
+            </a:lvl8pPr>
+            <a:lvl9pPr marR="0" lvl="8" algn="l" rtl="0">
+              <a:lnSpc>
+                <a:spcPct val="100000"/>
+              </a:lnSpc>
+              <a:spcBef>
+                <a:spcPts val="0"/>
+              </a:spcBef>
+              <a:spcAft>
+                <a:spcPts val="0"/>
+              </a:spcAft>
+              <a:buClr>
+                <a:srgbClr val="000000"/>
+              </a:buClr>
+              <a:buFont typeface="Arial"/>
+              <a:defRPr sz="1400" b="0" i="0" u="none" strike="noStrike" cap="none">
+                <a:solidFill>
+                  <a:srgbClr val="000000"/>
+                </a:solidFill>
+                <a:latin typeface="Arial"/>
+                <a:ea typeface="Arial"/>
+                <a:cs typeface="Arial"/>
+                <a:sym typeface="Arial"/>
+              </a:defRPr>
+            </a:lvl9pPr>
+          </a:lstStyle>
+          <a:p>
+            <a:pPr algn="ctr">
+              <a:buSzPts val="3500"/>
+            </a:pPr>
+            <a:r>
+              <a:rPr lang="en-US" sz="3500" b="1" dirty="0">
+                <a:solidFill>
+                  <a:schemeClr val="tx1"/>
+                </a:solidFill>
+                <a:latin typeface="Ubuntu Condensed"/>
+                <a:sym typeface="Ubuntu Condensed"/>
+              </a:rPr>
+              <a:t>Demo</a:t>
+            </a:r>
+          </a:p>
+        </p:txBody>
+      </p:sp>
+      <p:sp>
+        <p:nvSpPr>
+          <p:cNvPr id="6" name="Google Shape;96;p14">
+            <a:extLst>
+              <a:ext uri="{FF2B5EF4-FFF2-40B4-BE49-F238E27FC236}">
+                <a16:creationId xmlns:a16="http://schemas.microsoft.com/office/drawing/2014/main" id="{606E536F-7B2B-3ECD-7981-4BD1D09CA774}"/>
+              </a:ext>
+            </a:extLst>
+          </p:cNvPr>
+          <p:cNvSpPr/>
+          <p:nvPr/>
+        </p:nvSpPr>
+        <p:spPr>
+          <a:xfrm flipV="1">
+            <a:off x="2589197" y="2157253"/>
+            <a:ext cx="3388092" cy="45719"/>
+          </a:xfrm>
+          <a:prstGeom prst="rect">
+            <a:avLst/>
+          </a:prstGeom>
+          <a:solidFill>
+            <a:srgbClr val="FF8C3B"/>
+          </a:solidFill>
+          <a:ln>
+            <a:noFill/>
+          </a:ln>
+        </p:spPr>
+        <p:txBody>
+          <a:bodyPr spcFirstLastPara="1" wrap="square" lIns="91425" tIns="91425" rIns="91425" bIns="91425" anchor="ctr" anchorCtr="0">
+            <a:noAutofit/>
+          </a:bodyPr>
+          <a:lstStyle/>
+          <a:p>
+            <a:pPr marL="0" marR="0" lvl="0" indent="0" algn="l" rtl="0">
+              <a:lnSpc>
+                <a:spcPct val="100000"/>
+              </a:lnSpc>
+              <a:spcBef>
+                <a:spcPts val="0"/>
+              </a:spcBef>
+              <a:spcAft>
+                <a:spcPts val="0"/>
+              </a:spcAft>
+              <a:buClr>
+                <a:srgbClr val="000000"/>
+              </a:buClr>
+              <a:buSzPts val="1400"/>
+              <a:buFont typeface="Arial"/>
+              <a:buNone/>
+            </a:pPr>
+            <a:endParaRPr sz="1400" b="0" i="0" u="none" strike="noStrike" cap="none">
+              <a:solidFill>
+                <a:srgbClr val="000000"/>
+              </a:solidFill>
+              <a:latin typeface="Arial"/>
+              <a:ea typeface="Arial"/>
+              <a:cs typeface="Arial"/>
+              <a:sym typeface="Arial"/>
+            </a:endParaRPr>
+          </a:p>
+        </p:txBody>
+      </p:sp>
+      <p:sp>
+        <p:nvSpPr>
+          <p:cNvPr id="8" name="Google Shape;96;p14">
+            <a:extLst>
+              <a:ext uri="{FF2B5EF4-FFF2-40B4-BE49-F238E27FC236}">
+                <a16:creationId xmlns:a16="http://schemas.microsoft.com/office/drawing/2014/main" id="{2F1B3145-FC47-1533-71EB-F4D6994CD76F}"/>
+              </a:ext>
+            </a:extLst>
+          </p:cNvPr>
+          <p:cNvSpPr/>
+          <p:nvPr/>
+        </p:nvSpPr>
+        <p:spPr>
+          <a:xfrm flipV="1">
+            <a:off x="2589197" y="2986247"/>
+            <a:ext cx="3388092" cy="45719"/>
+          </a:xfrm>
+          <a:prstGeom prst="rect">
+            <a:avLst/>
+          </a:prstGeom>
+          <a:solidFill>
+            <a:srgbClr val="FF8C3B"/>
+          </a:solidFill>
+          <a:ln>
+            <a:noFill/>
+          </a:ln>
+        </p:spPr>
+        <p:txBody>
+          <a:bodyPr spcFirstLastPara="1" wrap="square" lIns="91425" tIns="91425" rIns="91425" bIns="91425" anchor="ctr" anchorCtr="0">
+            <a:noAutofit/>
+          </a:bodyPr>
+          <a:lstStyle/>
+          <a:p>
+            <a:pPr marL="0" marR="0" lvl="0" indent="0" algn="l" rtl="0">
+              <a:lnSpc>
+                <a:spcPct val="100000"/>
+              </a:lnSpc>
+              <a:spcBef>
+                <a:spcPts val="0"/>
+              </a:spcBef>
+              <a:spcAft>
+                <a:spcPts val="0"/>
+              </a:spcAft>
+              <a:buClr>
+                <a:srgbClr val="000000"/>
+              </a:buClr>
+              <a:buSzPts val="1400"/>
+              <a:buFont typeface="Arial"/>
+              <a:buNone/>
+            </a:pPr>
+            <a:endParaRPr sz="1400" b="0" i="0" u="none" strike="noStrike" cap="none">
+              <a:solidFill>
+                <a:srgbClr val="000000"/>
+              </a:solidFill>
+              <a:latin typeface="Arial"/>
+              <a:ea typeface="Arial"/>
+              <a:cs typeface="Arial"/>
+              <a:sym typeface="Arial"/>
+            </a:endParaRPr>
+          </a:p>
+        </p:txBody>
+      </p:sp>
+    </p:spTree>
+    <p:extLst>
+      <p:ext uri="{BB962C8B-B14F-4D97-AF65-F5344CB8AC3E}">
+        <p14:creationId xmlns:p14="http://schemas.microsoft.com/office/powerpoint/2010/main" val="2094964323"/>
+      </p:ext>
+    </p:extLst>
+  </p:cSld>
+  <p:clrMapOvr>
+    <a:masterClrMapping/>
+  </p:clrMapOvr>
+</p:sld>
+</file>
+
+<file path=ppt/slides/slide22.xml><?xml version="1.0" encoding="utf-8"?>
+<p:sld xmlns:a="http://schemas.openxmlformats.org/drawingml/2006/main" xmlns:r="http://schemas.openxmlformats.org/officeDocument/2006/relationships" xmlns:p="http://schemas.openxmlformats.org/presentationml/2006/main">
+  <p:cSld>
+    <p:bg>
+      <p:bgPr>
+        <a:blipFill>
+          <a:blip r:embed="rId3">
+            <a:alphaModFix/>
+          </a:blip>
+          <a:stretch>
+            <a:fillRect/>
+          </a:stretch>
+        </a:blipFill>
+        <a:effectLst/>
+      </p:bgPr>
+    </p:bg>
+    <p:spTree>
+      <p:nvGrpSpPr>
+        <p:cNvPr id="1" name="Shape 277"/>
+        <p:cNvGrpSpPr/>
+        <p:nvPr/>
+      </p:nvGrpSpPr>
+      <p:grpSpPr>
+        <a:xfrm>
+          <a:off x="0" y="0"/>
+          <a:ext cx="0" cy="0"/>
+          <a:chOff x="0" y="0"/>
+          <a:chExt cx="0" cy="0"/>
+        </a:xfrm>
+      </p:grpSpPr>
+      <p:sp>
+        <p:nvSpPr>
+          <p:cNvPr id="278" name="Google Shape;278;p39"/>
+          <p:cNvSpPr txBox="1">
+            <a:spLocks noGrp="1"/>
+          </p:cNvSpPr>
+          <p:nvPr>
+            <p:ph type="ctrTitle"/>
+          </p:nvPr>
+        </p:nvSpPr>
+        <p:spPr>
+          <a:xfrm>
+            <a:off x="4125875" y="1745111"/>
+            <a:ext cx="4417500" cy="1990200"/>
+          </a:xfrm>
+          <a:prstGeom prst="rect">
+            <a:avLst/>
+          </a:prstGeom>
+          <a:noFill/>
+          <a:ln>
+            <a:noFill/>
+          </a:ln>
+        </p:spPr>
+        <p:txBody>
+          <a:bodyPr spcFirstLastPara="1" wrap="square" lIns="68575" tIns="34275" rIns="68575" bIns="34275" anchor="b" anchorCtr="0">
+            <a:noAutofit/>
+          </a:bodyPr>
+          <a:lstStyle/>
+          <a:p>
+            <a:pPr marL="0" lvl="0" indent="0" algn="ctr" rtl="0">
+              <a:lnSpc>
+                <a:spcPct val="90000"/>
+              </a:lnSpc>
+              <a:spcBef>
+                <a:spcPts val="0"/>
+              </a:spcBef>
+              <a:spcAft>
+                <a:spcPts val="0"/>
+              </a:spcAft>
+              <a:buClr>
+                <a:schemeClr val="dk1"/>
+              </a:buClr>
+              <a:buSzPts val="4500"/>
+              <a:buFont typeface="Calibri"/>
+              <a:buNone/>
+            </a:pPr>
+            <a:r>
+              <a:rPr lang="en-GB" sz="8000" dirty="0"/>
+              <a:t>Thank you!</a:t>
+            </a:r>
+            <a:endParaRPr sz="8000" dirty="0"/>
           </a:p>
         </p:txBody>
       </p:sp>
